--- a/Locomotor zeppehjhyjyjlin.pptx
+++ b/Locomotor zeppehjhyjyjlin.pptx
@@ -5,7 +5,7 @@
     <p:sldMasterId id="2147483780" r:id="rId1"/>
   </p:sldMasterIdLst>
   <p:notesMasterIdLst>
-    <p:notesMasterId r:id="rId18"/>
+    <p:notesMasterId r:id="rId19"/>
   </p:notesMasterIdLst>
   <p:sldIdLst>
     <p:sldId id="256" r:id="rId2"/>
@@ -17,13 +17,14 @@
     <p:sldId id="281" r:id="rId8"/>
     <p:sldId id="283" r:id="rId9"/>
     <p:sldId id="277" r:id="rId10"/>
-    <p:sldId id="278" r:id="rId11"/>
-    <p:sldId id="284" r:id="rId12"/>
-    <p:sldId id="288" r:id="rId13"/>
-    <p:sldId id="280" r:id="rId14"/>
-    <p:sldId id="285" r:id="rId15"/>
-    <p:sldId id="287" r:id="rId16"/>
-    <p:sldId id="274" r:id="rId17"/>
+    <p:sldId id="289" r:id="rId11"/>
+    <p:sldId id="278" r:id="rId12"/>
+    <p:sldId id="284" r:id="rId13"/>
+    <p:sldId id="288" r:id="rId14"/>
+    <p:sldId id="280" r:id="rId15"/>
+    <p:sldId id="285" r:id="rId16"/>
+    <p:sldId id="287" r:id="rId17"/>
+    <p:sldId id="274" r:id="rId18"/>
   </p:sldIdLst>
   <p:sldSz cx="9144000" cy="6858000" type="screen4x3"/>
   <p:notesSz cx="6858000" cy="9144000"/>
@@ -124,7 +125,7 @@
   </p:defaultTextStyle>
   <p:extLst>
     <p:ext uri="{EFAFB233-063F-42B5-8137-9DF3F51BA10A}">
-      <p15:sldGuideLst xmlns:p15="http://schemas.microsoft.com/office/powerpoint/2012/main">
+      <p15:sldGuideLst xmlns:p15="http://schemas.microsoft.com/office/powerpoint/2012/main" xmlns="">
         <p15:guide id="1" orient="horz" pos="2160">
           <p15:clr>
             <a:srgbClr val="A4A3A4"/>
@@ -535,6 +536,10 @@
           <a:bodyPr/>
           <a:lstStyle/>
           <a:p>
+            <a:r>
+              <a:rPr lang="nl-BE" dirty="0" smtClean="0"/>
+              <a:t>Wander</a:t>
+            </a:r>
             <a:endParaRPr lang="nl-BE" dirty="0"/>
           </a:p>
         </p:txBody>
@@ -556,7 +561,7 @@
           <a:p>
             <a:fld id="{7443B408-9F69-4381-88CF-9F7E36547B4D}" type="slidenum">
               <a:rPr lang="nl-BE" smtClean="0"/>
-              <a:t>4</a:t>
+              <a:t>1</a:t>
             </a:fld>
             <a:endParaRPr lang="nl-BE"/>
           </a:p>
@@ -565,7 +570,472 @@
     </p:spTree>
     <p:extLst>
       <p:ext uri="{BB962C8B-B14F-4D97-AF65-F5344CB8AC3E}">
-        <p14:creationId xmlns:p14="http://schemas.microsoft.com/office/powerpoint/2010/main" val="750636724"/>
+        <p14:creationId xmlns:p14="http://schemas.microsoft.com/office/powerpoint/2010/main" val="280018058"/>
+      </p:ext>
+    </p:extLst>
+  </p:cSld>
+  <p:clrMapOvr>
+    <a:masterClrMapping/>
+  </p:clrMapOvr>
+</p:notes>
+</file>
+
+<file path=ppt/notesSlides/notesSlide10.xml><?xml version="1.0" encoding="utf-8"?>
+<p:notes xmlns:a="http://schemas.openxmlformats.org/drawingml/2006/main" xmlns:r="http://schemas.openxmlformats.org/officeDocument/2006/relationships" xmlns:p="http://schemas.openxmlformats.org/presentationml/2006/main">
+  <p:cSld>
+    <p:spTree>
+      <p:nvGrpSpPr>
+        <p:cNvPr id="1" name=""/>
+        <p:cNvGrpSpPr/>
+        <p:nvPr/>
+      </p:nvGrpSpPr>
+      <p:grpSpPr>
+        <a:xfrm>
+          <a:off x="0" y="0"/>
+          <a:ext cx="0" cy="0"/>
+          <a:chOff x="0" y="0"/>
+          <a:chExt cx="0" cy="0"/>
+        </a:xfrm>
+      </p:grpSpPr>
+      <p:sp>
+        <p:nvSpPr>
+          <p:cNvPr id="2" name="Slide Image Placeholder 1"/>
+          <p:cNvSpPr>
+            <a:spLocks noGrp="1" noRot="1" noChangeAspect="1"/>
+          </p:cNvSpPr>
+          <p:nvPr>
+            <p:ph type="sldImg"/>
+          </p:nvPr>
+        </p:nvSpPr>
+        <p:spPr/>
+      </p:sp>
+      <p:sp>
+        <p:nvSpPr>
+          <p:cNvPr id="3" name="Notes Placeholder 2"/>
+          <p:cNvSpPr>
+            <a:spLocks noGrp="1"/>
+          </p:cNvSpPr>
+          <p:nvPr>
+            <p:ph type="body" idx="1"/>
+          </p:nvPr>
+        </p:nvSpPr>
+        <p:spPr/>
+        <p:txBody>
+          <a:bodyPr/>
+          <a:lstStyle/>
+          <a:p>
+            <a:r>
+              <a:rPr lang="nl-BE" dirty="0" smtClean="0"/>
+              <a:t>Vince</a:t>
+            </a:r>
+          </a:p>
+          <a:p>
+            <a:endParaRPr lang="nl-BE" dirty="0" smtClean="0"/>
+          </a:p>
+          <a:p>
+            <a:r>
+              <a:rPr lang="nl-BE" dirty="0" smtClean="0"/>
+              <a:t>Shapes -&gt; equiteral triangle</a:t>
+            </a:r>
+          </a:p>
+          <a:p>
+            <a:endParaRPr lang="nl-BE" dirty="0" smtClean="0"/>
+          </a:p>
+          <a:p>
+            <a:r>
+              <a:rPr lang="nl-BE" dirty="0" smtClean="0"/>
+              <a:t>NO Triangle of three</a:t>
+            </a:r>
+            <a:r>
+              <a:rPr lang="nl-BE" baseline="0" dirty="0" smtClean="0"/>
+              <a:t> shapes – color, no contour</a:t>
+            </a:r>
+          </a:p>
+          <a:p>
+            <a:endParaRPr lang="nl-BE" baseline="0" dirty="0" smtClean="0"/>
+          </a:p>
+          <a:p>
+            <a:r>
+              <a:rPr lang="nl-BE" baseline="0" dirty="0" smtClean="0"/>
+              <a:t>Distance to center </a:t>
+            </a:r>
+          </a:p>
+          <a:p>
+            <a:endParaRPr lang="nl-BE" baseline="0" dirty="0" smtClean="0"/>
+          </a:p>
+          <a:p>
+            <a:r>
+              <a:rPr lang="nl-BE" baseline="0" dirty="0" smtClean="0"/>
+              <a:t>-&gt; position locator exact to middlepoint (Dimi in positioning)</a:t>
+            </a:r>
+          </a:p>
+        </p:txBody>
+      </p:sp>
+      <p:sp>
+        <p:nvSpPr>
+          <p:cNvPr id="4" name="Slide Number Placeholder 3"/>
+          <p:cNvSpPr>
+            <a:spLocks noGrp="1"/>
+          </p:cNvSpPr>
+          <p:nvPr>
+            <p:ph type="sldNum" sz="quarter" idx="10"/>
+          </p:nvPr>
+        </p:nvSpPr>
+        <p:spPr/>
+        <p:txBody>
+          <a:bodyPr/>
+          <a:lstStyle/>
+          <a:p>
+            <a:fld id="{7443B408-9F69-4381-88CF-9F7E36547B4D}" type="slidenum">
+              <a:rPr lang="nl-BE" smtClean="0"/>
+              <a:t>10</a:t>
+            </a:fld>
+            <a:endParaRPr lang="nl-BE"/>
+          </a:p>
+        </p:txBody>
+      </p:sp>
+    </p:spTree>
+    <p:extLst>
+      <p:ext uri="{BB962C8B-B14F-4D97-AF65-F5344CB8AC3E}">
+        <p14:creationId xmlns:p14="http://schemas.microsoft.com/office/powerpoint/2010/main" val="182305420"/>
+      </p:ext>
+    </p:extLst>
+  </p:cSld>
+  <p:clrMapOvr>
+    <a:masterClrMapping/>
+  </p:clrMapOvr>
+</p:notes>
+</file>
+
+<file path=ppt/notesSlides/notesSlide11.xml><?xml version="1.0" encoding="utf-8"?>
+<p:notes xmlns:a="http://schemas.openxmlformats.org/drawingml/2006/main" xmlns:r="http://schemas.openxmlformats.org/officeDocument/2006/relationships" xmlns:p="http://schemas.openxmlformats.org/presentationml/2006/main">
+  <p:cSld>
+    <p:spTree>
+      <p:nvGrpSpPr>
+        <p:cNvPr id="1" name=""/>
+        <p:cNvGrpSpPr/>
+        <p:nvPr/>
+      </p:nvGrpSpPr>
+      <p:grpSpPr>
+        <a:xfrm>
+          <a:off x="0" y="0"/>
+          <a:ext cx="0" cy="0"/>
+          <a:chOff x="0" y="0"/>
+          <a:chExt cx="0" cy="0"/>
+        </a:xfrm>
+      </p:grpSpPr>
+      <p:sp>
+        <p:nvSpPr>
+          <p:cNvPr id="2" name="Slide Image Placeholder 1"/>
+          <p:cNvSpPr>
+            <a:spLocks noGrp="1" noRot="1" noChangeAspect="1"/>
+          </p:cNvSpPr>
+          <p:nvPr>
+            <p:ph type="sldImg"/>
+          </p:nvPr>
+        </p:nvSpPr>
+        <p:spPr/>
+      </p:sp>
+      <p:sp>
+        <p:nvSpPr>
+          <p:cNvPr id="3" name="Notes Placeholder 2"/>
+          <p:cNvSpPr>
+            <a:spLocks noGrp="1"/>
+          </p:cNvSpPr>
+          <p:nvPr>
+            <p:ph type="body" idx="1"/>
+          </p:nvPr>
+        </p:nvSpPr>
+        <p:spPr/>
+        <p:txBody>
+          <a:bodyPr/>
+          <a:lstStyle/>
+          <a:p>
+            <a:r>
+              <a:rPr lang="nl-BE" dirty="0" smtClean="0"/>
+              <a:t>Dimi</a:t>
+            </a:r>
+            <a:endParaRPr lang="nl-BE" dirty="0"/>
+          </a:p>
+        </p:txBody>
+      </p:sp>
+      <p:sp>
+        <p:nvSpPr>
+          <p:cNvPr id="4" name="Slide Number Placeholder 3"/>
+          <p:cNvSpPr>
+            <a:spLocks noGrp="1"/>
+          </p:cNvSpPr>
+          <p:nvPr>
+            <p:ph type="sldNum" sz="quarter" idx="10"/>
+          </p:nvPr>
+        </p:nvSpPr>
+        <p:spPr/>
+        <p:txBody>
+          <a:bodyPr/>
+          <a:lstStyle/>
+          <a:p>
+            <a:fld id="{7443B408-9F69-4381-88CF-9F7E36547B4D}" type="slidenum">
+              <a:rPr lang="nl-BE" smtClean="0"/>
+              <a:t>11</a:t>
+            </a:fld>
+            <a:endParaRPr lang="nl-BE"/>
+          </a:p>
+        </p:txBody>
+      </p:sp>
+    </p:spTree>
+    <p:extLst>
+      <p:ext uri="{BB962C8B-B14F-4D97-AF65-F5344CB8AC3E}">
+        <p14:creationId xmlns:p14="http://schemas.microsoft.com/office/powerpoint/2010/main" val="2740966221"/>
+      </p:ext>
+    </p:extLst>
+  </p:cSld>
+  <p:clrMapOvr>
+    <a:masterClrMapping/>
+  </p:clrMapOvr>
+</p:notes>
+</file>
+
+<file path=ppt/notesSlides/notesSlide12.xml><?xml version="1.0" encoding="utf-8"?>
+<p:notes xmlns:a="http://schemas.openxmlformats.org/drawingml/2006/main" xmlns:r="http://schemas.openxmlformats.org/officeDocument/2006/relationships" xmlns:p="http://schemas.openxmlformats.org/presentationml/2006/main">
+  <p:cSld>
+    <p:spTree>
+      <p:nvGrpSpPr>
+        <p:cNvPr id="1" name=""/>
+        <p:cNvGrpSpPr/>
+        <p:nvPr/>
+      </p:nvGrpSpPr>
+      <p:grpSpPr>
+        <a:xfrm>
+          <a:off x="0" y="0"/>
+          <a:ext cx="0" cy="0"/>
+          <a:chOff x="0" y="0"/>
+          <a:chExt cx="0" cy="0"/>
+        </a:xfrm>
+      </p:grpSpPr>
+      <p:sp>
+        <p:nvSpPr>
+          <p:cNvPr id="2" name="Slide Image Placeholder 1"/>
+          <p:cNvSpPr>
+            <a:spLocks noGrp="1" noRot="1" noChangeAspect="1"/>
+          </p:cNvSpPr>
+          <p:nvPr>
+            <p:ph type="sldImg"/>
+          </p:nvPr>
+        </p:nvSpPr>
+        <p:spPr/>
+      </p:sp>
+      <p:sp>
+        <p:nvSpPr>
+          <p:cNvPr id="3" name="Notes Placeholder 2"/>
+          <p:cNvSpPr>
+            <a:spLocks noGrp="1"/>
+          </p:cNvSpPr>
+          <p:nvPr>
+            <p:ph type="body" idx="1"/>
+          </p:nvPr>
+        </p:nvSpPr>
+        <p:spPr/>
+        <p:txBody>
+          <a:bodyPr/>
+          <a:lstStyle/>
+          <a:p>
+            <a:r>
+              <a:rPr lang="nl-BE" dirty="0" smtClean="0"/>
+              <a:t>Vince</a:t>
+            </a:r>
+          </a:p>
+          <a:p>
+            <a:endParaRPr lang="nl-BE" dirty="0" smtClean="0"/>
+          </a:p>
+          <a:p>
+            <a:r>
+              <a:rPr lang="nl-BE" dirty="0" smtClean="0"/>
+              <a:t>K</a:t>
+            </a:r>
+            <a:r>
+              <a:rPr lang="nl-BE" baseline="0" dirty="0" smtClean="0"/>
+              <a:t>nowlegde:</a:t>
+            </a:r>
+          </a:p>
+          <a:p>
+            <a:r>
+              <a:rPr lang="nl-BE" baseline="0" dirty="0" smtClean="0"/>
+              <a:t>Image recognition</a:t>
+            </a:r>
+          </a:p>
+          <a:p>
+            <a:endParaRPr lang="nl-BE" baseline="0" dirty="0" smtClean="0"/>
+          </a:p>
+          <a:p>
+            <a:r>
+              <a:rPr lang="nl-BE" baseline="0" dirty="0" smtClean="0"/>
+              <a:t>Work divided -&gt;</a:t>
+            </a:r>
+          </a:p>
+          <a:p>
+            <a:r>
+              <a:rPr lang="nl-BE" baseline="0" dirty="0" smtClean="0"/>
+              <a:t>Thrust on partners -&gt; good work + good documentation</a:t>
+            </a:r>
+            <a:endParaRPr lang="nl-BE" dirty="0"/>
+          </a:p>
+        </p:txBody>
+      </p:sp>
+      <p:sp>
+        <p:nvSpPr>
+          <p:cNvPr id="4" name="Slide Number Placeholder 3"/>
+          <p:cNvSpPr>
+            <a:spLocks noGrp="1"/>
+          </p:cNvSpPr>
+          <p:nvPr>
+            <p:ph type="sldNum" sz="quarter" idx="10"/>
+          </p:nvPr>
+        </p:nvSpPr>
+        <p:spPr/>
+        <p:txBody>
+          <a:bodyPr/>
+          <a:lstStyle/>
+          <a:p>
+            <a:fld id="{7443B408-9F69-4381-88CF-9F7E36547B4D}" type="slidenum">
+              <a:rPr lang="nl-BE" smtClean="0"/>
+              <a:t>16</a:t>
+            </a:fld>
+            <a:endParaRPr lang="nl-BE"/>
+          </a:p>
+        </p:txBody>
+      </p:sp>
+    </p:spTree>
+    <p:extLst>
+      <p:ext uri="{BB962C8B-B14F-4D97-AF65-F5344CB8AC3E}">
+        <p14:creationId xmlns:p14="http://schemas.microsoft.com/office/powerpoint/2010/main" val="2964912935"/>
+      </p:ext>
+    </p:extLst>
+  </p:cSld>
+  <p:clrMapOvr>
+    <a:masterClrMapping/>
+  </p:clrMapOvr>
+</p:notes>
+</file>
+
+<file path=ppt/notesSlides/notesSlide13.xml><?xml version="1.0" encoding="utf-8"?>
+<p:notes xmlns:a="http://schemas.openxmlformats.org/drawingml/2006/main" xmlns:r="http://schemas.openxmlformats.org/officeDocument/2006/relationships" xmlns:p="http://schemas.openxmlformats.org/presentationml/2006/main">
+  <p:cSld>
+    <p:spTree>
+      <p:nvGrpSpPr>
+        <p:cNvPr id="1" name=""/>
+        <p:cNvGrpSpPr/>
+        <p:nvPr/>
+      </p:nvGrpSpPr>
+      <p:grpSpPr>
+        <a:xfrm>
+          <a:off x="0" y="0"/>
+          <a:ext cx="0" cy="0"/>
+          <a:chOff x="0" y="0"/>
+          <a:chExt cx="0" cy="0"/>
+        </a:xfrm>
+      </p:grpSpPr>
+      <p:sp>
+        <p:nvSpPr>
+          <p:cNvPr id="2" name="Slide Image Placeholder 1"/>
+          <p:cNvSpPr>
+            <a:spLocks noGrp="1" noRot="1" noChangeAspect="1"/>
+          </p:cNvSpPr>
+          <p:nvPr>
+            <p:ph type="sldImg"/>
+          </p:nvPr>
+        </p:nvSpPr>
+        <p:spPr/>
+      </p:sp>
+      <p:sp>
+        <p:nvSpPr>
+          <p:cNvPr id="3" name="Notes Placeholder 2"/>
+          <p:cNvSpPr>
+            <a:spLocks noGrp="1"/>
+          </p:cNvSpPr>
+          <p:nvPr>
+            <p:ph type="body" idx="1"/>
+          </p:nvPr>
+        </p:nvSpPr>
+        <p:spPr/>
+        <p:txBody>
+          <a:bodyPr/>
+          <a:lstStyle/>
+          <a:p>
+            <a:r>
+              <a:rPr lang="nl-BE" dirty="0" smtClean="0"/>
+              <a:t>Colours</a:t>
+            </a:r>
+            <a:r>
+              <a:rPr lang="nl-BE" baseline="0" dirty="0" smtClean="0"/>
+              <a:t> perfect, shapes mostly, Optimizations </a:t>
+            </a:r>
+          </a:p>
+          <a:p>
+            <a:endParaRPr lang="nl-BE" baseline="0" dirty="0" smtClean="0"/>
+          </a:p>
+          <a:p>
+            <a:r>
+              <a:rPr lang="nl-BE" baseline="0" dirty="0" smtClean="0"/>
+              <a:t>previous forms / previous positions on grid</a:t>
+            </a:r>
+          </a:p>
+          <a:p>
+            <a:r>
+              <a:rPr lang="nl-BE" baseline="0" dirty="0" smtClean="0"/>
+              <a:t>                 	       </a:t>
+            </a:r>
+          </a:p>
+          <a:p>
+            <a:endParaRPr lang="nl-BE" baseline="0" dirty="0" smtClean="0"/>
+          </a:p>
+          <a:p>
+            <a:r>
+              <a:rPr lang="nl-BE" baseline="0" dirty="0" smtClean="0"/>
+              <a:t>Demo -&gt; size of the grid</a:t>
+            </a:r>
+          </a:p>
+          <a:p>
+            <a:endParaRPr lang="nl-BE" baseline="0" smtClean="0"/>
+          </a:p>
+          <a:p>
+            <a:endParaRPr lang="nl-BE" baseline="0" dirty="0" smtClean="0"/>
+          </a:p>
+          <a:p>
+            <a:r>
+              <a:rPr lang="nl-BE" baseline="0" dirty="0" smtClean="0"/>
+              <a:t>Java/opencv -&gt; not much examples on the web</a:t>
+            </a:r>
+            <a:endParaRPr lang="nl-BE" dirty="0"/>
+          </a:p>
+        </p:txBody>
+      </p:sp>
+      <p:sp>
+        <p:nvSpPr>
+          <p:cNvPr id="4" name="Slide Number Placeholder 3"/>
+          <p:cNvSpPr>
+            <a:spLocks noGrp="1"/>
+          </p:cNvSpPr>
+          <p:nvPr>
+            <p:ph type="sldNum" sz="quarter" idx="10"/>
+          </p:nvPr>
+        </p:nvSpPr>
+        <p:spPr/>
+        <p:txBody>
+          <a:bodyPr/>
+          <a:lstStyle/>
+          <a:p>
+            <a:fld id="{7443B408-9F69-4381-88CF-9F7E36547B4D}" type="slidenum">
+              <a:rPr lang="nl-BE" smtClean="0"/>
+              <a:t>17</a:t>
+            </a:fld>
+            <a:endParaRPr lang="nl-BE"/>
+          </a:p>
+        </p:txBody>
+      </p:sp>
+    </p:spTree>
+    <p:extLst>
+      <p:ext uri="{BB962C8B-B14F-4D97-AF65-F5344CB8AC3E}">
+        <p14:creationId xmlns:p14="http://schemas.microsoft.com/office/powerpoint/2010/main" val="3377664062"/>
       </p:ext>
     </p:extLst>
   </p:cSld>
@@ -621,49 +1091,284 @@
           <a:p>
             <a:r>
               <a:rPr lang="nl-BE" dirty="0" smtClean="0"/>
-              <a:t>Java</a:t>
-            </a:r>
-          </a:p>
-          <a:p>
-            <a:r>
-              <a:rPr lang="nl-BE" dirty="0" smtClean="0"/>
-              <a:t>Iedereen</a:t>
-            </a:r>
+              <a:t>Wander</a:t>
+            </a:r>
+            <a:endParaRPr lang="nl-BE" dirty="0"/>
+          </a:p>
+        </p:txBody>
+      </p:sp>
+      <p:sp>
+        <p:nvSpPr>
+          <p:cNvPr id="4" name="Slide Number Placeholder 3"/>
+          <p:cNvSpPr>
+            <a:spLocks noGrp="1"/>
+          </p:cNvSpPr>
+          <p:nvPr>
+            <p:ph type="sldNum" sz="quarter" idx="10"/>
+          </p:nvPr>
+        </p:nvSpPr>
+        <p:spPr/>
+        <p:txBody>
+          <a:bodyPr/>
+          <a:lstStyle/>
+          <a:p>
+            <a:fld id="{7443B408-9F69-4381-88CF-9F7E36547B4D}" type="slidenum">
+              <a:rPr lang="nl-BE" smtClean="0"/>
+              <a:t>2</a:t>
+            </a:fld>
+            <a:endParaRPr lang="nl-BE"/>
+          </a:p>
+        </p:txBody>
+      </p:sp>
+    </p:spTree>
+    <p:extLst>
+      <p:ext uri="{BB962C8B-B14F-4D97-AF65-F5344CB8AC3E}">
+        <p14:creationId xmlns:p14="http://schemas.microsoft.com/office/powerpoint/2010/main" val="1442544736"/>
+      </p:ext>
+    </p:extLst>
+  </p:cSld>
+  <p:clrMapOvr>
+    <a:masterClrMapping/>
+  </p:clrMapOvr>
+</p:notes>
+</file>
+
+<file path=ppt/notesSlides/notesSlide3.xml><?xml version="1.0" encoding="utf-8"?>
+<p:notes xmlns:a="http://schemas.openxmlformats.org/drawingml/2006/main" xmlns:r="http://schemas.openxmlformats.org/officeDocument/2006/relationships" xmlns:p="http://schemas.openxmlformats.org/presentationml/2006/main">
+  <p:cSld>
+    <p:spTree>
+      <p:nvGrpSpPr>
+        <p:cNvPr id="1" name=""/>
+        <p:cNvGrpSpPr/>
+        <p:nvPr/>
+      </p:nvGrpSpPr>
+      <p:grpSpPr>
+        <a:xfrm>
+          <a:off x="0" y="0"/>
+          <a:ext cx="0" cy="0"/>
+          <a:chOff x="0" y="0"/>
+          <a:chExt cx="0" cy="0"/>
+        </a:xfrm>
+      </p:grpSpPr>
+      <p:sp>
+        <p:nvSpPr>
+          <p:cNvPr id="2" name="Slide Image Placeholder 1"/>
+          <p:cNvSpPr>
+            <a:spLocks noGrp="1" noRot="1" noChangeAspect="1"/>
+          </p:cNvSpPr>
+          <p:nvPr>
+            <p:ph type="sldImg"/>
+          </p:nvPr>
+        </p:nvSpPr>
+        <p:spPr/>
+      </p:sp>
+      <p:sp>
+        <p:nvSpPr>
+          <p:cNvPr id="3" name="Notes Placeholder 2"/>
+          <p:cNvSpPr>
+            <a:spLocks noGrp="1"/>
+          </p:cNvSpPr>
+          <p:nvPr>
+            <p:ph type="body" idx="1"/>
+          </p:nvPr>
+        </p:nvSpPr>
+        <p:spPr/>
+        <p:txBody>
+          <a:bodyPr/>
+          <a:lstStyle/>
+          <a:p>
+            <a:r>
+              <a:rPr lang="nl-BE" dirty="0" smtClean="0"/>
+              <a:t>Wander</a:t>
+            </a:r>
+            <a:endParaRPr lang="nl-BE" dirty="0"/>
+          </a:p>
+        </p:txBody>
+      </p:sp>
+      <p:sp>
+        <p:nvSpPr>
+          <p:cNvPr id="4" name="Slide Number Placeholder 3"/>
+          <p:cNvSpPr>
+            <a:spLocks noGrp="1"/>
+          </p:cNvSpPr>
+          <p:nvPr>
+            <p:ph type="sldNum" sz="quarter" idx="10"/>
+          </p:nvPr>
+        </p:nvSpPr>
+        <p:spPr/>
+        <p:txBody>
+          <a:bodyPr/>
+          <a:lstStyle/>
+          <a:p>
+            <a:fld id="{7443B408-9F69-4381-88CF-9F7E36547B4D}" type="slidenum">
+              <a:rPr lang="nl-BE" smtClean="0"/>
+              <a:t>3</a:t>
+            </a:fld>
+            <a:endParaRPr lang="nl-BE"/>
+          </a:p>
+        </p:txBody>
+      </p:sp>
+    </p:spTree>
+    <p:extLst>
+      <p:ext uri="{BB962C8B-B14F-4D97-AF65-F5344CB8AC3E}">
+        <p14:creationId xmlns:p14="http://schemas.microsoft.com/office/powerpoint/2010/main" val="4131063621"/>
+      </p:ext>
+    </p:extLst>
+  </p:cSld>
+  <p:clrMapOvr>
+    <a:masterClrMapping/>
+  </p:clrMapOvr>
+</p:notes>
+</file>
+
+<file path=ppt/notesSlides/notesSlide4.xml><?xml version="1.0" encoding="utf-8"?>
+<p:notes xmlns:a="http://schemas.openxmlformats.org/drawingml/2006/main" xmlns:r="http://schemas.openxmlformats.org/officeDocument/2006/relationships" xmlns:p="http://schemas.openxmlformats.org/presentationml/2006/main">
+  <p:cSld>
+    <p:spTree>
+      <p:nvGrpSpPr>
+        <p:cNvPr id="1" name=""/>
+        <p:cNvGrpSpPr/>
+        <p:nvPr/>
+      </p:nvGrpSpPr>
+      <p:grpSpPr>
+        <a:xfrm>
+          <a:off x="0" y="0"/>
+          <a:ext cx="0" cy="0"/>
+          <a:chOff x="0" y="0"/>
+          <a:chExt cx="0" cy="0"/>
+        </a:xfrm>
+      </p:grpSpPr>
+      <p:sp>
+        <p:nvSpPr>
+          <p:cNvPr id="2" name="Slide Image Placeholder 1"/>
+          <p:cNvSpPr>
+            <a:spLocks noGrp="1" noRot="1" noChangeAspect="1"/>
+          </p:cNvSpPr>
+          <p:nvPr>
+            <p:ph type="sldImg"/>
+          </p:nvPr>
+        </p:nvSpPr>
+        <p:spPr/>
+      </p:sp>
+      <p:sp>
+        <p:nvSpPr>
+          <p:cNvPr id="3" name="Notes Placeholder 2"/>
+          <p:cNvSpPr>
+            <a:spLocks noGrp="1"/>
+          </p:cNvSpPr>
+          <p:nvPr>
+            <p:ph type="body" idx="1"/>
+          </p:nvPr>
+        </p:nvSpPr>
+        <p:spPr/>
+        <p:txBody>
+          <a:bodyPr/>
+          <a:lstStyle/>
+          <a:p>
+            <a:r>
+              <a:rPr lang="nl-BE" dirty="0" smtClean="0"/>
+              <a:t>Wander</a:t>
+            </a:r>
+            <a:endParaRPr lang="nl-BE" dirty="0"/>
+          </a:p>
+        </p:txBody>
+      </p:sp>
+      <p:sp>
+        <p:nvSpPr>
+          <p:cNvPr id="4" name="Slide Number Placeholder 3"/>
+          <p:cNvSpPr>
+            <a:spLocks noGrp="1"/>
+          </p:cNvSpPr>
+          <p:nvPr>
+            <p:ph type="sldNum" sz="quarter" idx="10"/>
+          </p:nvPr>
+        </p:nvSpPr>
+        <p:spPr/>
+        <p:txBody>
+          <a:bodyPr/>
+          <a:lstStyle/>
+          <a:p>
+            <a:fld id="{7443B408-9F69-4381-88CF-9F7E36547B4D}" type="slidenum">
+              <a:rPr lang="nl-BE" smtClean="0"/>
+              <a:t>4</a:t>
+            </a:fld>
+            <a:endParaRPr lang="nl-BE"/>
+          </a:p>
+        </p:txBody>
+      </p:sp>
+    </p:spTree>
+    <p:extLst>
+      <p:ext uri="{BB962C8B-B14F-4D97-AF65-F5344CB8AC3E}">
+        <p14:creationId xmlns:p14="http://schemas.microsoft.com/office/powerpoint/2010/main" val="750636724"/>
+      </p:ext>
+    </p:extLst>
+  </p:cSld>
+  <p:clrMapOvr>
+    <a:masterClrMapping/>
+  </p:clrMapOvr>
+</p:notes>
+</file>
+
+<file path=ppt/notesSlides/notesSlide5.xml><?xml version="1.0" encoding="utf-8"?>
+<p:notes xmlns:a="http://schemas.openxmlformats.org/drawingml/2006/main" xmlns:r="http://schemas.openxmlformats.org/officeDocument/2006/relationships" xmlns:p="http://schemas.openxmlformats.org/presentationml/2006/main">
+  <p:cSld>
+    <p:spTree>
+      <p:nvGrpSpPr>
+        <p:cNvPr id="1" name=""/>
+        <p:cNvGrpSpPr/>
+        <p:nvPr/>
+      </p:nvGrpSpPr>
+      <p:grpSpPr>
+        <a:xfrm>
+          <a:off x="0" y="0"/>
+          <a:ext cx="0" cy="0"/>
+          <a:chOff x="0" y="0"/>
+          <a:chExt cx="0" cy="0"/>
+        </a:xfrm>
+      </p:grpSpPr>
+      <p:sp>
+        <p:nvSpPr>
+          <p:cNvPr id="2" name="Slide Image Placeholder 1"/>
+          <p:cNvSpPr>
+            <a:spLocks noGrp="1" noRot="1" noChangeAspect="1"/>
+          </p:cNvSpPr>
+          <p:nvPr>
+            <p:ph type="sldImg"/>
+          </p:nvPr>
+        </p:nvSpPr>
+        <p:spPr/>
+      </p:sp>
+      <p:sp>
+        <p:nvSpPr>
+          <p:cNvPr id="3" name="Notes Placeholder 2"/>
+          <p:cNvSpPr>
+            <a:spLocks noGrp="1"/>
+          </p:cNvSpPr>
+          <p:nvPr>
+            <p:ph type="body" idx="1"/>
+          </p:nvPr>
+        </p:nvSpPr>
+        <p:spPr/>
+        <p:txBody>
+          <a:bodyPr/>
+          <a:lstStyle/>
+          <a:p>
+            <a:r>
+              <a:rPr lang="nl-BE" dirty="0" smtClean="0"/>
+              <a:t>Wander</a:t>
+            </a:r>
+          </a:p>
+          <a:p>
+            <a:endParaRPr lang="nl-BE" baseline="0" dirty="0" smtClean="0"/>
+          </a:p>
+          <a:p>
             <a:r>
               <a:rPr lang="nl-BE" baseline="0" dirty="0" smtClean="0"/>
-              <a:t> was gewend. Nodige </a:t>
-            </a:r>
-            <a:r>
-              <a:rPr lang="nl-BE" baseline="0" dirty="0" err="1" smtClean="0"/>
-              <a:t>libraries</a:t>
-            </a:r>
-            <a:r>
-              <a:rPr lang="nl-BE" baseline="0" dirty="0" smtClean="0"/>
-              <a:t> van </a:t>
-            </a:r>
-            <a:r>
-              <a:rPr lang="nl-BE" baseline="0" dirty="0" err="1" smtClean="0"/>
-              <a:t>java</a:t>
-            </a:r>
-            <a:r>
-              <a:rPr lang="nl-BE" baseline="0" dirty="0" smtClean="0"/>
-              <a:t> gevonden. Het leek efficiënter om Java te gebruiken. </a:t>
-            </a:r>
-          </a:p>
-          <a:p>
-            <a:r>
-              <a:rPr lang="nl-BE" baseline="0" dirty="0" smtClean="0"/>
-              <a:t>Click</a:t>
+              <a:t>Meer op pc -&gt; problemen opencv -&gt; veel naar client</a:t>
             </a:r>
           </a:p>
           <a:p>
             <a:endParaRPr lang="nl-BE" baseline="0" dirty="0" smtClean="0"/>
-          </a:p>
-          <a:p>
-            <a:r>
-              <a:rPr lang="nl-BE" baseline="0" dirty="0" smtClean="0"/>
-              <a:t>Client – Server model met drie belangrijke delen. </a:t>
-            </a:r>
           </a:p>
         </p:txBody>
       </p:sp>
@@ -694,6 +1399,444 @@
     <p:extLst>
       <p:ext uri="{BB962C8B-B14F-4D97-AF65-F5344CB8AC3E}">
         <p14:creationId xmlns:p14="http://schemas.microsoft.com/office/powerpoint/2010/main" val="2088055584"/>
+      </p:ext>
+    </p:extLst>
+  </p:cSld>
+  <p:clrMapOvr>
+    <a:masterClrMapping/>
+  </p:clrMapOvr>
+</p:notes>
+</file>
+
+<file path=ppt/notesSlides/notesSlide6.xml><?xml version="1.0" encoding="utf-8"?>
+<p:notes xmlns:a="http://schemas.openxmlformats.org/drawingml/2006/main" xmlns:r="http://schemas.openxmlformats.org/officeDocument/2006/relationships" xmlns:p="http://schemas.openxmlformats.org/presentationml/2006/main">
+  <p:cSld>
+    <p:spTree>
+      <p:nvGrpSpPr>
+        <p:cNvPr id="1" name=""/>
+        <p:cNvGrpSpPr/>
+        <p:nvPr/>
+      </p:nvGrpSpPr>
+      <p:grpSpPr>
+        <a:xfrm>
+          <a:off x="0" y="0"/>
+          <a:ext cx="0" cy="0"/>
+          <a:chOff x="0" y="0"/>
+          <a:chExt cx="0" cy="0"/>
+        </a:xfrm>
+      </p:grpSpPr>
+      <p:sp>
+        <p:nvSpPr>
+          <p:cNvPr id="2" name="Slide Image Placeholder 1"/>
+          <p:cNvSpPr>
+            <a:spLocks noGrp="1" noRot="1" noChangeAspect="1"/>
+          </p:cNvSpPr>
+          <p:nvPr>
+            <p:ph type="sldImg"/>
+          </p:nvPr>
+        </p:nvSpPr>
+        <p:spPr/>
+      </p:sp>
+      <p:sp>
+        <p:nvSpPr>
+          <p:cNvPr id="3" name="Notes Placeholder 2"/>
+          <p:cNvSpPr>
+            <a:spLocks noGrp="1"/>
+          </p:cNvSpPr>
+          <p:nvPr>
+            <p:ph type="body" idx="1"/>
+          </p:nvPr>
+        </p:nvSpPr>
+        <p:spPr/>
+        <p:txBody>
+          <a:bodyPr/>
+          <a:lstStyle/>
+          <a:p>
+            <a:r>
+              <a:rPr lang="nl-BE" dirty="0" smtClean="0"/>
+              <a:t>Wander</a:t>
+            </a:r>
+            <a:endParaRPr lang="nl-BE" dirty="0"/>
+          </a:p>
+        </p:txBody>
+      </p:sp>
+      <p:sp>
+        <p:nvSpPr>
+          <p:cNvPr id="4" name="Slide Number Placeholder 3"/>
+          <p:cNvSpPr>
+            <a:spLocks noGrp="1"/>
+          </p:cNvSpPr>
+          <p:nvPr>
+            <p:ph type="sldNum" sz="quarter" idx="10"/>
+          </p:nvPr>
+        </p:nvSpPr>
+        <p:spPr/>
+        <p:txBody>
+          <a:bodyPr/>
+          <a:lstStyle/>
+          <a:p>
+            <a:fld id="{7443B408-9F69-4381-88CF-9F7E36547B4D}" type="slidenum">
+              <a:rPr lang="nl-BE" smtClean="0"/>
+              <a:t>6</a:t>
+            </a:fld>
+            <a:endParaRPr lang="nl-BE"/>
+          </a:p>
+        </p:txBody>
+      </p:sp>
+    </p:spTree>
+    <p:extLst>
+      <p:ext uri="{BB962C8B-B14F-4D97-AF65-F5344CB8AC3E}">
+        <p14:creationId xmlns:p14="http://schemas.microsoft.com/office/powerpoint/2010/main" val="1858644909"/>
+      </p:ext>
+    </p:extLst>
+  </p:cSld>
+  <p:clrMapOvr>
+    <a:masterClrMapping/>
+  </p:clrMapOvr>
+</p:notes>
+</file>
+
+<file path=ppt/notesSlides/notesSlide7.xml><?xml version="1.0" encoding="utf-8"?>
+<p:notes xmlns:a="http://schemas.openxmlformats.org/drawingml/2006/main" xmlns:r="http://schemas.openxmlformats.org/officeDocument/2006/relationships" xmlns:p="http://schemas.openxmlformats.org/presentationml/2006/main">
+  <p:cSld>
+    <p:spTree>
+      <p:nvGrpSpPr>
+        <p:cNvPr id="1" name=""/>
+        <p:cNvGrpSpPr/>
+        <p:nvPr/>
+      </p:nvGrpSpPr>
+      <p:grpSpPr>
+        <a:xfrm>
+          <a:off x="0" y="0"/>
+          <a:ext cx="0" cy="0"/>
+          <a:chOff x="0" y="0"/>
+          <a:chExt cx="0" cy="0"/>
+        </a:xfrm>
+      </p:grpSpPr>
+      <p:sp>
+        <p:nvSpPr>
+          <p:cNvPr id="2" name="Slide Image Placeholder 1"/>
+          <p:cNvSpPr>
+            <a:spLocks noGrp="1" noRot="1" noChangeAspect="1"/>
+          </p:cNvSpPr>
+          <p:nvPr>
+            <p:ph type="sldImg"/>
+          </p:nvPr>
+        </p:nvSpPr>
+        <p:spPr/>
+      </p:sp>
+      <p:sp>
+        <p:nvSpPr>
+          <p:cNvPr id="3" name="Notes Placeholder 2"/>
+          <p:cNvSpPr>
+            <a:spLocks noGrp="1"/>
+          </p:cNvSpPr>
+          <p:nvPr>
+            <p:ph type="body" idx="1"/>
+          </p:nvPr>
+        </p:nvSpPr>
+        <p:spPr/>
+        <p:txBody>
+          <a:bodyPr/>
+          <a:lstStyle/>
+          <a:p>
+            <a:r>
+              <a:rPr lang="nl-BE" dirty="0" smtClean="0"/>
+              <a:t>vince</a:t>
+            </a:r>
+            <a:endParaRPr lang="nl-BE" dirty="0"/>
+          </a:p>
+        </p:txBody>
+      </p:sp>
+      <p:sp>
+        <p:nvSpPr>
+          <p:cNvPr id="4" name="Slide Number Placeholder 3"/>
+          <p:cNvSpPr>
+            <a:spLocks noGrp="1"/>
+          </p:cNvSpPr>
+          <p:nvPr>
+            <p:ph type="sldNum" sz="quarter" idx="10"/>
+          </p:nvPr>
+        </p:nvSpPr>
+        <p:spPr/>
+        <p:txBody>
+          <a:bodyPr/>
+          <a:lstStyle/>
+          <a:p>
+            <a:fld id="{7443B408-9F69-4381-88CF-9F7E36547B4D}" type="slidenum">
+              <a:rPr lang="nl-BE" smtClean="0"/>
+              <a:t>7</a:t>
+            </a:fld>
+            <a:endParaRPr lang="nl-BE"/>
+          </a:p>
+        </p:txBody>
+      </p:sp>
+    </p:spTree>
+    <p:extLst>
+      <p:ext uri="{BB962C8B-B14F-4D97-AF65-F5344CB8AC3E}">
+        <p14:creationId xmlns:p14="http://schemas.microsoft.com/office/powerpoint/2010/main" val="978434610"/>
+      </p:ext>
+    </p:extLst>
+  </p:cSld>
+  <p:clrMapOvr>
+    <a:masterClrMapping/>
+  </p:clrMapOvr>
+</p:notes>
+</file>
+
+<file path=ppt/notesSlides/notesSlide8.xml><?xml version="1.0" encoding="utf-8"?>
+<p:notes xmlns:a="http://schemas.openxmlformats.org/drawingml/2006/main" xmlns:r="http://schemas.openxmlformats.org/officeDocument/2006/relationships" xmlns:p="http://schemas.openxmlformats.org/presentationml/2006/main">
+  <p:cSld>
+    <p:spTree>
+      <p:nvGrpSpPr>
+        <p:cNvPr id="1" name=""/>
+        <p:cNvGrpSpPr/>
+        <p:nvPr/>
+      </p:nvGrpSpPr>
+      <p:grpSpPr>
+        <a:xfrm>
+          <a:off x="0" y="0"/>
+          <a:ext cx="0" cy="0"/>
+          <a:chOff x="0" y="0"/>
+          <a:chExt cx="0" cy="0"/>
+        </a:xfrm>
+      </p:grpSpPr>
+      <p:sp>
+        <p:nvSpPr>
+          <p:cNvPr id="2" name="Slide Image Placeholder 1"/>
+          <p:cNvSpPr>
+            <a:spLocks noGrp="1" noRot="1" noChangeAspect="1"/>
+          </p:cNvSpPr>
+          <p:nvPr>
+            <p:ph type="sldImg"/>
+          </p:nvPr>
+        </p:nvSpPr>
+        <p:spPr/>
+      </p:sp>
+      <p:sp>
+        <p:nvSpPr>
+          <p:cNvPr id="3" name="Notes Placeholder 2"/>
+          <p:cNvSpPr>
+            <a:spLocks noGrp="1"/>
+          </p:cNvSpPr>
+          <p:nvPr>
+            <p:ph type="body" idx="1"/>
+          </p:nvPr>
+        </p:nvSpPr>
+        <p:spPr/>
+        <p:txBody>
+          <a:bodyPr/>
+          <a:lstStyle/>
+          <a:p>
+            <a:r>
+              <a:rPr lang="nl-BE" dirty="0" smtClean="0"/>
+              <a:t>Height</a:t>
+            </a:r>
+          </a:p>
+          <a:p>
+            <a:r>
+              <a:rPr lang="nl-BE" dirty="0" smtClean="0"/>
+              <a:t>New frame -&gt; parameters still correct</a:t>
+            </a:r>
+          </a:p>
+          <a:p>
+            <a:endParaRPr lang="nl-BE" dirty="0" smtClean="0"/>
+          </a:p>
+          <a:p>
+            <a:r>
+              <a:rPr lang="nl-BE" dirty="0" smtClean="0"/>
+              <a:t>Horizontal</a:t>
+            </a:r>
+          </a:p>
+          <a:p>
+            <a:r>
+              <a:rPr lang="nl-BE" dirty="0" smtClean="0"/>
+              <a:t>Movements split in x and y</a:t>
+            </a:r>
+          </a:p>
+          <a:p>
+            <a:endParaRPr lang="nl-BE" dirty="0" smtClean="0"/>
+          </a:p>
+          <a:p>
+            <a:r>
+              <a:rPr lang="nl-BE" dirty="0" smtClean="0"/>
+              <a:t>Different</a:t>
+            </a:r>
+            <a:r>
+              <a:rPr lang="nl-BE" baseline="0" dirty="0" smtClean="0"/>
+              <a:t> PID -&gt; each motor </a:t>
+            </a:r>
+            <a:endParaRPr lang="nl-BE" dirty="0"/>
+          </a:p>
+        </p:txBody>
+      </p:sp>
+      <p:sp>
+        <p:nvSpPr>
+          <p:cNvPr id="4" name="Slide Number Placeholder 3"/>
+          <p:cNvSpPr>
+            <a:spLocks noGrp="1"/>
+          </p:cNvSpPr>
+          <p:nvPr>
+            <p:ph type="sldNum" sz="quarter" idx="10"/>
+          </p:nvPr>
+        </p:nvSpPr>
+        <p:spPr/>
+        <p:txBody>
+          <a:bodyPr/>
+          <a:lstStyle/>
+          <a:p>
+            <a:fld id="{7443B408-9F69-4381-88CF-9F7E36547B4D}" type="slidenum">
+              <a:rPr lang="nl-BE" smtClean="0"/>
+              <a:t>8</a:t>
+            </a:fld>
+            <a:endParaRPr lang="nl-BE"/>
+          </a:p>
+        </p:txBody>
+      </p:sp>
+    </p:spTree>
+    <p:extLst>
+      <p:ext uri="{BB962C8B-B14F-4D97-AF65-F5344CB8AC3E}">
+        <p14:creationId xmlns:p14="http://schemas.microsoft.com/office/powerpoint/2010/main" val="743408107"/>
+      </p:ext>
+    </p:extLst>
+  </p:cSld>
+  <p:clrMapOvr>
+    <a:masterClrMapping/>
+  </p:clrMapOvr>
+</p:notes>
+</file>
+
+<file path=ppt/notesSlides/notesSlide9.xml><?xml version="1.0" encoding="utf-8"?>
+<p:notes xmlns:a="http://schemas.openxmlformats.org/drawingml/2006/main" xmlns:r="http://schemas.openxmlformats.org/officeDocument/2006/relationships" xmlns:p="http://schemas.openxmlformats.org/presentationml/2006/main">
+  <p:cSld>
+    <p:spTree>
+      <p:nvGrpSpPr>
+        <p:cNvPr id="1" name=""/>
+        <p:cNvGrpSpPr/>
+        <p:nvPr/>
+      </p:nvGrpSpPr>
+      <p:grpSpPr>
+        <a:xfrm>
+          <a:off x="0" y="0"/>
+          <a:ext cx="0" cy="0"/>
+          <a:chOff x="0" y="0"/>
+          <a:chExt cx="0" cy="0"/>
+        </a:xfrm>
+      </p:grpSpPr>
+      <p:sp>
+        <p:nvSpPr>
+          <p:cNvPr id="2" name="Slide Image Placeholder 1"/>
+          <p:cNvSpPr>
+            <a:spLocks noGrp="1" noRot="1" noChangeAspect="1"/>
+          </p:cNvSpPr>
+          <p:nvPr>
+            <p:ph type="sldImg"/>
+          </p:nvPr>
+        </p:nvSpPr>
+        <p:spPr/>
+      </p:sp>
+      <p:sp>
+        <p:nvSpPr>
+          <p:cNvPr id="3" name="Notes Placeholder 2"/>
+          <p:cNvSpPr>
+            <a:spLocks noGrp="1"/>
+          </p:cNvSpPr>
+          <p:nvPr>
+            <p:ph type="body" idx="1"/>
+          </p:nvPr>
+        </p:nvSpPr>
+        <p:spPr/>
+        <p:txBody>
+          <a:bodyPr/>
+          <a:lstStyle/>
+          <a:p>
+            <a:r>
+              <a:rPr lang="nl-BE" dirty="0" smtClean="0"/>
+              <a:t>Filtring</a:t>
+            </a:r>
+            <a:r>
+              <a:rPr lang="nl-BE" baseline="0" dirty="0" smtClean="0"/>
+              <a:t> on 5 colours</a:t>
+            </a:r>
+            <a:endParaRPr lang="nl-BE" dirty="0" smtClean="0"/>
+          </a:p>
+          <a:p>
+            <a:r>
+              <a:rPr lang="nl-BE" dirty="0" smtClean="0"/>
+              <a:t>Add</a:t>
+            </a:r>
+            <a:r>
+              <a:rPr lang="nl-BE" baseline="0" dirty="0" smtClean="0"/>
+              <a:t> images together</a:t>
+            </a:r>
+            <a:endParaRPr lang="nl-BE" dirty="0" smtClean="0"/>
+          </a:p>
+          <a:p>
+            <a:r>
+              <a:rPr lang="nl-BE" dirty="0" smtClean="0"/>
+              <a:t>Recognize</a:t>
+            </a:r>
+            <a:r>
+              <a:rPr lang="nl-BE" baseline="0" dirty="0" smtClean="0"/>
+              <a:t> contours</a:t>
+            </a:r>
+            <a:endParaRPr lang="nl-BE" dirty="0" smtClean="0"/>
+          </a:p>
+          <a:p>
+            <a:endParaRPr lang="nl-BE" dirty="0" smtClean="0"/>
+          </a:p>
+          <a:p>
+            <a:r>
+              <a:rPr lang="nl-BE" dirty="0" smtClean="0"/>
+              <a:t>Previous recognition:  based</a:t>
+            </a:r>
+            <a:r>
+              <a:rPr lang="nl-BE" baseline="0" dirty="0" smtClean="0"/>
+              <a:t> on position on picture </a:t>
+            </a:r>
+            <a:r>
+              <a:rPr lang="nl-BE" dirty="0" smtClean="0"/>
+              <a:t>(threshold</a:t>
+            </a:r>
+            <a:r>
+              <a:rPr lang="nl-BE" baseline="0" dirty="0" smtClean="0"/>
+              <a:t> circle round previous point depended on #frames</a:t>
+            </a:r>
+            <a:r>
+              <a:rPr lang="nl-BE" dirty="0" smtClean="0"/>
+              <a:t>)</a:t>
+            </a:r>
+            <a:endParaRPr lang="nl-BE" dirty="0"/>
+          </a:p>
+        </p:txBody>
+      </p:sp>
+      <p:sp>
+        <p:nvSpPr>
+          <p:cNvPr id="4" name="Slide Number Placeholder 3"/>
+          <p:cNvSpPr>
+            <a:spLocks noGrp="1"/>
+          </p:cNvSpPr>
+          <p:nvPr>
+            <p:ph type="sldNum" sz="quarter" idx="10"/>
+          </p:nvPr>
+        </p:nvSpPr>
+        <p:spPr/>
+        <p:txBody>
+          <a:bodyPr/>
+          <a:lstStyle/>
+          <a:p>
+            <a:fld id="{7443B408-9F69-4381-88CF-9F7E36547B4D}" type="slidenum">
+              <a:rPr lang="nl-BE" smtClean="0"/>
+              <a:t>9</a:t>
+            </a:fld>
+            <a:endParaRPr lang="nl-BE"/>
+          </a:p>
+        </p:txBody>
+      </p:sp>
+    </p:spTree>
+    <p:extLst>
+      <p:ext uri="{BB962C8B-B14F-4D97-AF65-F5344CB8AC3E}">
+        <p14:creationId xmlns:p14="http://schemas.microsoft.com/office/powerpoint/2010/main" val="1325742045"/>
       </p:ext>
     </p:extLst>
   </p:cSld>
@@ -4337,11 +5480,11 @@
   <p:clrMapOvr>
     <a:masterClrMapping/>
   </p:clrMapOvr>
-  <mc:AlternateContent xmlns:mc="http://schemas.openxmlformats.org/markup-compatibility/2006">
-    <mc:Choice xmlns:p14="http://schemas.microsoft.com/office/powerpoint/2010/main" Requires="p14">
+  <mc:AlternateContent xmlns:mc="http://schemas.openxmlformats.org/markup-compatibility/2006" xmlns:p14="http://schemas.microsoft.com/office/powerpoint/2010/main">
+    <mc:Choice Requires="p14">
       <p:transition p14:dur="0"/>
     </mc:Choice>
-    <mc:Fallback>
+    <mc:Fallback xmlns="">
       <p:transition/>
     </mc:Fallback>
   </mc:AlternateContent>
@@ -4389,7 +5532,7 @@
           <a:p>
             <a:r>
               <a:rPr lang="nl-BE" dirty="0" smtClean="0"/>
-              <a:t>Positioning</a:t>
+              <a:t>Image recognition</a:t>
             </a:r>
             <a:endParaRPr lang="nl-BE" dirty="0"/>
           </a:p>
@@ -4411,130 +5554,57 @@
           <a:lstStyle/>
           <a:p>
             <a:r>
-              <a:rPr lang="nl-BE" dirty="0" err="1" smtClean="0"/>
-              <a:t>Location</a:t>
-            </a:r>
+              <a:rPr lang="nl-BE" dirty="0"/>
+              <a:t>Colour Symbol at incomplete triangle</a:t>
+            </a:r>
+          </a:p>
+          <a:p>
+            <a:r>
+              <a:rPr lang="nl-BE" dirty="0"/>
+              <a:t>Multiple triangles </a:t>
+            </a:r>
+            <a:r>
+              <a:rPr lang="nl-BE" dirty="0">
+                <a:sym typeface="Wingdings" panose="05000000000000000000" pitchFamily="2" charset="2"/>
+              </a:rPr>
+              <a:t> unknowns </a:t>
+            </a:r>
+            <a:endParaRPr lang="nl-BE" dirty="0"/>
+          </a:p>
+          <a:p>
+            <a:pPr marL="0" indent="0">
+              <a:buNone/>
+            </a:pPr>
+            <a:r>
+              <a:rPr lang="nl-BE" dirty="0"/>
+              <a:t>                              </a:t>
+            </a:r>
+            <a:r>
+              <a:rPr lang="nl-BE" dirty="0">
+                <a:sym typeface="Wingdings" panose="05000000000000000000" pitchFamily="2" charset="2"/>
+              </a:rPr>
+              <a:t></a:t>
+            </a:r>
+            <a:r>
+              <a:rPr lang="nl-BE" dirty="0"/>
+              <a:t> distance to center  </a:t>
+            </a:r>
+          </a:p>
+          <a:p>
             <a:endParaRPr lang="nl-BE" dirty="0" smtClean="0"/>
           </a:p>
           <a:p>
-            <a:pPr lvl="1"/>
-            <a:r>
-              <a:rPr lang="nl-BE" dirty="0" smtClean="0"/>
-              <a:t>Unique </a:t>
-            </a:r>
-            <a:r>
-              <a:rPr lang="nl-BE" dirty="0" err="1" smtClean="0"/>
-              <a:t>triangle</a:t>
-            </a:r>
-            <a:r>
-              <a:rPr lang="nl-BE" dirty="0" smtClean="0"/>
-              <a:t>	</a:t>
-            </a:r>
-          </a:p>
-          <a:p>
-            <a:pPr lvl="1"/>
-            <a:r>
-              <a:rPr lang="nl-BE" dirty="0" smtClean="0"/>
-              <a:t>Multiple </a:t>
-            </a:r>
-            <a:r>
-              <a:rPr lang="nl-BE" dirty="0" err="1" smtClean="0"/>
-              <a:t>possibilities</a:t>
-            </a:r>
-            <a:r>
-              <a:rPr lang="nl-BE" dirty="0" smtClean="0"/>
-              <a:t> (</a:t>
-            </a:r>
-            <a:r>
-              <a:rPr lang="nl-BE" dirty="0" err="1" smtClean="0"/>
-              <a:t>unknowns</a:t>
-            </a:r>
-            <a:r>
-              <a:rPr lang="nl-BE" dirty="0" smtClean="0"/>
-              <a:t>)</a:t>
-            </a:r>
-          </a:p>
-          <a:p>
-            <a:pPr lvl="2"/>
-            <a:r>
-              <a:rPr lang="nl-BE" dirty="0" err="1" smtClean="0"/>
-              <a:t>Correction</a:t>
-            </a:r>
-            <a:r>
-              <a:rPr lang="nl-BE" dirty="0" smtClean="0"/>
-              <a:t> </a:t>
-            </a:r>
-            <a:r>
-              <a:rPr lang="nl-BE" dirty="0" err="1" smtClean="0"/>
-              <a:t>previous</a:t>
-            </a:r>
-            <a:r>
-              <a:rPr lang="nl-BE" dirty="0" smtClean="0"/>
-              <a:t> </a:t>
-            </a:r>
-            <a:r>
-              <a:rPr lang="nl-BE" dirty="0" err="1" smtClean="0"/>
-              <a:t>location</a:t>
-            </a:r>
+            <a:endParaRPr lang="nl-BE" dirty="0"/>
+          </a:p>
+          <a:p>
             <a:endParaRPr lang="nl-BE" dirty="0" smtClean="0"/>
           </a:p>
           <a:p>
             <a:r>
-              <a:rPr lang="nl-BE" dirty="0" err="1" smtClean="0"/>
-              <a:t>Orientation</a:t>
-            </a:r>
-            <a:endParaRPr lang="nl-BE" dirty="0" smtClean="0"/>
-          </a:p>
-          <a:p>
-            <a:pPr lvl="1"/>
-            <a:r>
-              <a:rPr lang="nl-BE" dirty="0" err="1" smtClean="0"/>
-              <a:t>Horizontal</a:t>
-            </a:r>
-            <a:r>
-              <a:rPr lang="nl-BE" dirty="0" smtClean="0"/>
-              <a:t> </a:t>
-            </a:r>
-            <a:r>
-              <a:rPr lang="nl-BE" dirty="0" err="1" smtClean="0"/>
-              <a:t>symbols</a:t>
-            </a:r>
-            <a:r>
-              <a:rPr lang="nl-BE" dirty="0" smtClean="0"/>
-              <a:t> on map (// </a:t>
-            </a:r>
-            <a:r>
-              <a:rPr lang="nl-BE" dirty="0" err="1" smtClean="0"/>
-              <a:t>grid</a:t>
-            </a:r>
-            <a:r>
-              <a:rPr lang="nl-BE" dirty="0" smtClean="0"/>
-              <a:t> </a:t>
-            </a:r>
-            <a:r>
-              <a:rPr lang="nl-BE" dirty="0" err="1" smtClean="0"/>
-              <a:t>edge</a:t>
-            </a:r>
-            <a:r>
-              <a:rPr lang="nl-BE" dirty="0" smtClean="0"/>
-              <a:t>)</a:t>
-            </a:r>
-          </a:p>
-          <a:p>
-            <a:pPr lvl="1"/>
-            <a:endParaRPr lang="nl-BE" dirty="0" smtClean="0"/>
-          </a:p>
-          <a:p>
-            <a:pPr lvl="1"/>
-            <a:endParaRPr lang="nl-BE" dirty="0" smtClean="0"/>
-          </a:p>
-          <a:p>
-            <a:pPr lvl="1"/>
-            <a:endParaRPr lang="nl-BE" dirty="0" smtClean="0"/>
-          </a:p>
-          <a:p>
-            <a:pPr lvl="1"/>
-            <a:endParaRPr lang="nl-BE" dirty="0" smtClean="0"/>
+              <a:rPr lang="nl-BE" dirty="0" smtClean="0"/>
+              <a:t>(foto van herkenning met een driehoek met een kleursymbool)</a:t>
+            </a:r>
+            <a:endParaRPr lang="nl-BE" dirty="0"/>
           </a:p>
         </p:txBody>
       </p:sp>
@@ -4561,24 +5631,96 @@
           </a:p>
         </p:txBody>
       </p:sp>
+      <p:sp>
+        <p:nvSpPr>
+          <p:cNvPr id="6" name="Down Arrow 5"/>
+          <p:cNvSpPr/>
+          <p:nvPr/>
+        </p:nvSpPr>
+        <p:spPr>
+          <a:xfrm>
+            <a:off x="5467416" y="2188916"/>
+            <a:ext cx="61721" cy="288032"/>
+          </a:xfrm>
+          <a:prstGeom prst="downArrow">
+            <a:avLst/>
+          </a:prstGeom>
+        </p:spPr>
+        <p:style>
+          <a:lnRef idx="2">
+            <a:schemeClr val="dk1">
+              <a:shade val="50000"/>
+            </a:schemeClr>
+          </a:lnRef>
+          <a:fillRef idx="1">
+            <a:schemeClr val="dk1"/>
+          </a:fillRef>
+          <a:effectRef idx="0">
+            <a:schemeClr val="dk1"/>
+          </a:effectRef>
+          <a:fontRef idx="minor">
+            <a:schemeClr val="lt1"/>
+          </a:fontRef>
+        </p:style>
+        <p:txBody>
+          <a:bodyPr rtlCol="0" anchor="ctr"/>
+          <a:lstStyle/>
+          <a:p>
+            <a:pPr algn="ctr"/>
+            <a:endParaRPr lang="nl-BE"/>
+          </a:p>
+        </p:txBody>
+      </p:sp>
+      <p:sp>
+        <p:nvSpPr>
+          <p:cNvPr id="7" name="Down Arrow 6"/>
+          <p:cNvSpPr/>
+          <p:nvPr/>
+        </p:nvSpPr>
+        <p:spPr>
+          <a:xfrm>
+            <a:off x="6804248" y="2673516"/>
+            <a:ext cx="61721" cy="288032"/>
+          </a:xfrm>
+          <a:prstGeom prst="downArrow">
+            <a:avLst/>
+          </a:prstGeom>
+        </p:spPr>
+        <p:style>
+          <a:lnRef idx="2">
+            <a:schemeClr val="dk1">
+              <a:shade val="50000"/>
+            </a:schemeClr>
+          </a:lnRef>
+          <a:fillRef idx="1">
+            <a:schemeClr val="dk1"/>
+          </a:fillRef>
+          <a:effectRef idx="0">
+            <a:schemeClr val="dk1"/>
+          </a:effectRef>
+          <a:fontRef idx="minor">
+            <a:schemeClr val="lt1"/>
+          </a:fontRef>
+        </p:style>
+        <p:txBody>
+          <a:bodyPr rtlCol="0" anchor="ctr"/>
+          <a:lstStyle/>
+          <a:p>
+            <a:pPr algn="ctr"/>
+            <a:endParaRPr lang="nl-BE"/>
+          </a:p>
+        </p:txBody>
+      </p:sp>
     </p:spTree>
     <p:extLst>
       <p:ext uri="{BB962C8B-B14F-4D97-AF65-F5344CB8AC3E}">
-        <p14:creationId xmlns:p14="http://schemas.microsoft.com/office/powerpoint/2010/main" val="3912733172"/>
+        <p14:creationId xmlns:p14="http://schemas.microsoft.com/office/powerpoint/2010/main" val="499417929"/>
       </p:ext>
     </p:extLst>
   </p:cSld>
   <p:clrMapOvr>
     <a:masterClrMapping/>
   </p:clrMapOvr>
-  <mc:AlternateContent xmlns:mc="http://schemas.openxmlformats.org/markup-compatibility/2006">
-    <mc:Choice xmlns:p14="http://schemas.microsoft.com/office/powerpoint/2010/main" Requires="p14">
-      <p:transition spd="slow" p14:dur="2000"/>
-    </mc:Choice>
-    <mc:Fallback>
-      <p:transition spd="slow"/>
-    </mc:Fallback>
-  </mc:AlternateContent>
   <p:timing>
     <p:tnLst>
       <p:par>
@@ -4623,41 +5765,155 @@
           <a:p>
             <a:r>
               <a:rPr lang="nl-BE" dirty="0" smtClean="0"/>
-              <a:t>Simulator</a:t>
+              <a:t>Positioning</a:t>
             </a:r>
             <a:endParaRPr lang="nl-BE" dirty="0"/>
           </a:p>
         </p:txBody>
       </p:sp>
-      <p:pic>
-        <p:nvPicPr>
-          <p:cNvPr id="5" name="Content Placeholder 4"/>
-          <p:cNvPicPr>
-            <a:picLocks noGrp="1" noChangeAspect="1"/>
-          </p:cNvPicPr>
+      <p:sp>
+        <p:nvSpPr>
+          <p:cNvPr id="3" name="Content Placeholder 2"/>
+          <p:cNvSpPr>
+            <a:spLocks noGrp="1"/>
+          </p:cNvSpPr>
           <p:nvPr>
             <p:ph idx="1"/>
           </p:nvPr>
-        </p:nvPicPr>
-        <p:blipFill>
-          <a:blip r:embed="rId2">
-            <a:extLst>
-              <a:ext uri="{28A0092B-C50C-407E-A947-70E740481C1C}">
-                <a14:useLocalDpi xmlns:a14="http://schemas.microsoft.com/office/drawing/2010/main" val="0"/>
-              </a:ext>
-            </a:extLst>
-          </a:blip>
-          <a:stretch>
-            <a:fillRect/>
-          </a:stretch>
-        </p:blipFill>
-        <p:spPr>
-          <a:xfrm>
-            <a:off x="482724" y="1628800"/>
-            <a:ext cx="5648780" cy="4411563"/>
-          </a:xfrm>
-        </p:spPr>
-      </p:pic>
+        </p:nvSpPr>
+        <p:spPr/>
+        <p:txBody>
+          <a:bodyPr/>
+          <a:lstStyle/>
+          <a:p>
+            <a:r>
+              <a:rPr lang="nl-BE" dirty="0" err="1" smtClean="0"/>
+              <a:t>Location</a:t>
+            </a:r>
+            <a:endParaRPr lang="nl-BE" dirty="0" smtClean="0"/>
+          </a:p>
+          <a:p>
+            <a:pPr lvl="1"/>
+            <a:r>
+              <a:rPr lang="nl-BE" dirty="0" smtClean="0"/>
+              <a:t>Unique </a:t>
+            </a:r>
+            <a:r>
+              <a:rPr lang="nl-BE" dirty="0" err="1" smtClean="0"/>
+              <a:t>triangle</a:t>
+            </a:r>
+            <a:r>
+              <a:rPr lang="nl-BE" dirty="0" smtClean="0"/>
+              <a:t>	</a:t>
+            </a:r>
+          </a:p>
+          <a:p>
+            <a:pPr lvl="1"/>
+            <a:r>
+              <a:rPr lang="nl-BE" dirty="0" smtClean="0"/>
+              <a:t>Multiple </a:t>
+            </a:r>
+            <a:r>
+              <a:rPr lang="nl-BE" dirty="0" err="1" smtClean="0"/>
+              <a:t>possibilities</a:t>
+            </a:r>
+            <a:r>
+              <a:rPr lang="nl-BE" dirty="0" smtClean="0"/>
+              <a:t> (</a:t>
+            </a:r>
+            <a:r>
+              <a:rPr lang="nl-BE" dirty="0" err="1" smtClean="0"/>
+              <a:t>unknowns</a:t>
+            </a:r>
+            <a:r>
+              <a:rPr lang="nl-BE" dirty="0" smtClean="0"/>
+              <a:t>)</a:t>
+            </a:r>
+          </a:p>
+          <a:p>
+            <a:pPr lvl="2"/>
+            <a:r>
+              <a:rPr lang="nl-BE" dirty="0" err="1" smtClean="0"/>
+              <a:t>Correction</a:t>
+            </a:r>
+            <a:r>
+              <a:rPr lang="nl-BE" dirty="0" smtClean="0"/>
+              <a:t> </a:t>
+            </a:r>
+            <a:r>
+              <a:rPr lang="nl-BE" dirty="0" err="1" smtClean="0"/>
+              <a:t>previous</a:t>
+            </a:r>
+            <a:r>
+              <a:rPr lang="nl-BE" dirty="0" smtClean="0"/>
+              <a:t> </a:t>
+            </a:r>
+            <a:r>
+              <a:rPr lang="nl-BE" dirty="0" err="1" smtClean="0"/>
+              <a:t>location</a:t>
+            </a:r>
+            <a:endParaRPr lang="nl-BE" dirty="0" smtClean="0"/>
+          </a:p>
+          <a:p>
+            <a:r>
+              <a:rPr lang="nl-BE" dirty="0" err="1" smtClean="0"/>
+              <a:t>Orientation</a:t>
+            </a:r>
+            <a:endParaRPr lang="nl-BE" dirty="0" smtClean="0"/>
+          </a:p>
+          <a:p>
+            <a:pPr lvl="1"/>
+            <a:r>
+              <a:rPr lang="nl-BE" dirty="0" err="1" smtClean="0"/>
+              <a:t>Horizontal</a:t>
+            </a:r>
+            <a:r>
+              <a:rPr lang="nl-BE" dirty="0" smtClean="0"/>
+              <a:t> </a:t>
+            </a:r>
+            <a:r>
+              <a:rPr lang="nl-BE" dirty="0" err="1" smtClean="0"/>
+              <a:t>symbols</a:t>
+            </a:r>
+            <a:r>
+              <a:rPr lang="nl-BE" dirty="0" smtClean="0"/>
+              <a:t> on map (// </a:t>
+            </a:r>
+            <a:r>
+              <a:rPr lang="nl-BE" dirty="0" err="1" smtClean="0"/>
+              <a:t>grid</a:t>
+            </a:r>
+            <a:r>
+              <a:rPr lang="nl-BE" dirty="0" smtClean="0"/>
+              <a:t> </a:t>
+            </a:r>
+            <a:r>
+              <a:rPr lang="nl-BE" dirty="0" err="1" smtClean="0"/>
+              <a:t>edge</a:t>
+            </a:r>
+            <a:r>
+              <a:rPr lang="nl-BE" dirty="0" smtClean="0"/>
+              <a:t>)</a:t>
+            </a:r>
+          </a:p>
+          <a:p>
+            <a:pPr lvl="1"/>
+            <a:endParaRPr lang="nl-BE" dirty="0" smtClean="0"/>
+          </a:p>
+          <a:p>
+            <a:pPr lvl="1"/>
+            <a:endParaRPr lang="nl-BE" dirty="0" smtClean="0"/>
+          </a:p>
+          <a:p>
+            <a:pPr lvl="1"/>
+            <a:endParaRPr lang="nl-BE" dirty="0" smtClean="0"/>
+          </a:p>
+          <a:p>
+            <a:pPr lvl="1"/>
+            <a:endParaRPr lang="nl-BE" dirty="0" smtClean="0"/>
+          </a:p>
+        </p:txBody>
+      </p:sp>
       <p:sp>
         <p:nvSpPr>
           <p:cNvPr id="4" name="Slide Number Placeholder 3"/>
@@ -4684,18 +5940,18 @@
     </p:spTree>
     <p:extLst>
       <p:ext uri="{BB962C8B-B14F-4D97-AF65-F5344CB8AC3E}">
-        <p14:creationId xmlns:p14="http://schemas.microsoft.com/office/powerpoint/2010/main" val="1379144958"/>
+        <p14:creationId xmlns:p14="http://schemas.microsoft.com/office/powerpoint/2010/main" val="3912733172"/>
       </p:ext>
     </p:extLst>
   </p:cSld>
   <p:clrMapOvr>
     <a:masterClrMapping/>
   </p:clrMapOvr>
-  <mc:AlternateContent xmlns:mc="http://schemas.openxmlformats.org/markup-compatibility/2006">
-    <mc:Choice xmlns:p14="http://schemas.microsoft.com/office/powerpoint/2010/main" Requires="p14">
+  <mc:AlternateContent xmlns:mc="http://schemas.openxmlformats.org/markup-compatibility/2006" xmlns:p14="http://schemas.microsoft.com/office/powerpoint/2010/main">
+    <mc:Choice Requires="p14">
       <p:transition spd="slow" p14:dur="2000"/>
     </mc:Choice>
-    <mc:Fallback>
+    <mc:Fallback xmlns="">
       <p:transition spd="slow"/>
     </mc:Fallback>
   </mc:AlternateContent>
@@ -4743,129 +5999,41 @@
           <a:p>
             <a:r>
               <a:rPr lang="nl-BE" dirty="0" smtClean="0"/>
-              <a:t>Demo: </a:t>
-            </a:r>
-            <a:r>
-              <a:rPr lang="nl-BE" dirty="0" err="1" smtClean="0"/>
-              <a:t>accomplishments</a:t>
+              <a:t>Simulator</a:t>
             </a:r>
             <a:endParaRPr lang="nl-BE" dirty="0"/>
           </a:p>
         </p:txBody>
       </p:sp>
-      <p:sp>
-        <p:nvSpPr>
-          <p:cNvPr id="3" name="Content Placeholder 2"/>
-          <p:cNvSpPr>
-            <a:spLocks noGrp="1"/>
-          </p:cNvSpPr>
+      <p:pic>
+        <p:nvPicPr>
+          <p:cNvPr id="5" name="Content Placeholder 4"/>
+          <p:cNvPicPr>
+            <a:picLocks noGrp="1" noChangeAspect="1"/>
+          </p:cNvPicPr>
           <p:nvPr>
             <p:ph idx="1"/>
           </p:nvPr>
-        </p:nvSpPr>
-        <p:spPr/>
-        <p:txBody>
-          <a:bodyPr/>
-          <a:lstStyle/>
-          <a:p>
-            <a:r>
-              <a:rPr lang="nl-BE" dirty="0" err="1" smtClean="0"/>
-              <a:t>Height</a:t>
-            </a:r>
-            <a:r>
-              <a:rPr lang="nl-BE" dirty="0" smtClean="0"/>
-              <a:t> PID</a:t>
-            </a:r>
-          </a:p>
-          <a:p>
-            <a:r>
-              <a:rPr lang="nl-BE" dirty="0" smtClean="0"/>
-              <a:t>Connection </a:t>
-            </a:r>
-            <a:r>
-              <a:rPr lang="nl-BE" dirty="0" err="1" smtClean="0"/>
-              <a:t>could</a:t>
-            </a:r>
-            <a:r>
-              <a:rPr lang="nl-BE" dirty="0" smtClean="0"/>
-              <a:t> </a:t>
-            </a:r>
-            <a:r>
-              <a:rPr lang="nl-BE" dirty="0" err="1" smtClean="0"/>
-              <a:t>be</a:t>
-            </a:r>
-            <a:r>
-              <a:rPr lang="nl-BE" dirty="0" smtClean="0"/>
-              <a:t> </a:t>
-            </a:r>
-            <a:r>
-              <a:rPr lang="nl-BE" dirty="0" err="1" smtClean="0"/>
-              <a:t>established</a:t>
-            </a:r>
-            <a:endParaRPr lang="nl-BE" dirty="0" smtClean="0"/>
-          </a:p>
-          <a:p>
-            <a:r>
-              <a:rPr lang="nl-BE" dirty="0" smtClean="0"/>
-              <a:t>Simulator</a:t>
-            </a:r>
-          </a:p>
-          <a:p>
-            <a:pPr lvl="1"/>
-            <a:r>
-              <a:rPr lang="nl-BE" dirty="0" smtClean="0"/>
-              <a:t>Both simulators </a:t>
-            </a:r>
-            <a:r>
-              <a:rPr lang="nl-BE" dirty="0" err="1" smtClean="0"/>
-              <a:t>worked</a:t>
-            </a:r>
-            <a:endParaRPr lang="nl-BE" dirty="0" smtClean="0"/>
-          </a:p>
-          <a:p>
-            <a:pPr lvl="2"/>
-            <a:r>
-              <a:rPr lang="nl-BE" dirty="0" smtClean="0"/>
-              <a:t>Target </a:t>
-            </a:r>
-            <a:r>
-              <a:rPr lang="nl-BE" dirty="0" err="1" smtClean="0"/>
-              <a:t>movement</a:t>
-            </a:r>
-            <a:endParaRPr lang="nl-BE" dirty="0" smtClean="0"/>
-          </a:p>
-          <a:p>
-            <a:pPr lvl="2"/>
-            <a:r>
-              <a:rPr lang="nl-BE" dirty="0" err="1" smtClean="0"/>
-              <a:t>Qr</a:t>
-            </a:r>
-            <a:r>
-              <a:rPr lang="nl-BE" dirty="0" smtClean="0"/>
-              <a:t>-code</a:t>
-            </a:r>
-          </a:p>
-          <a:p>
-            <a:r>
-              <a:rPr lang="nl-BE" dirty="0" smtClean="0"/>
-              <a:t>Image </a:t>
-            </a:r>
-            <a:r>
-              <a:rPr lang="nl-BE" dirty="0" err="1" smtClean="0"/>
-              <a:t>recognition</a:t>
-            </a:r>
-            <a:endParaRPr lang="nl-BE" dirty="0" smtClean="0"/>
-          </a:p>
-          <a:p>
-            <a:pPr lvl="1"/>
-            <a:endParaRPr lang="nl-BE" dirty="0" smtClean="0"/>
-          </a:p>
-          <a:p>
-            <a:pPr lvl="1"/>
-            <a:endParaRPr lang="nl-BE" dirty="0" smtClean="0"/>
-          </a:p>
-        </p:txBody>
-      </p:sp>
+        </p:nvPicPr>
+        <p:blipFill>
+          <a:blip r:embed="rId2">
+            <a:extLst>
+              <a:ext uri="{28A0092B-C50C-407E-A947-70E740481C1C}">
+                <a14:useLocalDpi xmlns:a14="http://schemas.microsoft.com/office/drawing/2010/main" val="0"/>
+              </a:ext>
+            </a:extLst>
+          </a:blip>
+          <a:stretch>
+            <a:fillRect/>
+          </a:stretch>
+        </p:blipFill>
+        <p:spPr>
+          <a:xfrm>
+            <a:off x="482724" y="1628800"/>
+            <a:ext cx="5648780" cy="4411563"/>
+          </a:xfrm>
+        </p:spPr>
+      </p:pic>
       <p:sp>
         <p:nvSpPr>
           <p:cNvPr id="4" name="Slide Number Placeholder 3"/>
@@ -4892,18 +6060,18 @@
     </p:spTree>
     <p:extLst>
       <p:ext uri="{BB962C8B-B14F-4D97-AF65-F5344CB8AC3E}">
-        <p14:creationId xmlns:p14="http://schemas.microsoft.com/office/powerpoint/2010/main" val="3612175803"/>
+        <p14:creationId xmlns:p14="http://schemas.microsoft.com/office/powerpoint/2010/main" val="1379144958"/>
       </p:ext>
     </p:extLst>
   </p:cSld>
   <p:clrMapOvr>
     <a:masterClrMapping/>
   </p:clrMapOvr>
-  <mc:AlternateContent xmlns:mc="http://schemas.openxmlformats.org/markup-compatibility/2006">
-    <mc:Choice xmlns:p14="http://schemas.microsoft.com/office/powerpoint/2010/main" Requires="p14">
+  <mc:AlternateContent xmlns:mc="http://schemas.openxmlformats.org/markup-compatibility/2006" xmlns:p14="http://schemas.microsoft.com/office/powerpoint/2010/main">
+    <mc:Choice Requires="p14">
       <p:transition spd="slow" p14:dur="2000"/>
     </mc:Choice>
-    <mc:Fallback>
+    <mc:Fallback xmlns="">
       <p:transition spd="slow"/>
     </mc:Fallback>
   </mc:AlternateContent>
@@ -4951,11 +6119,11 @@
           <a:p>
             <a:r>
               <a:rPr lang="nl-BE" dirty="0" smtClean="0"/>
-              <a:t>demo: </a:t>
+              <a:t>Demo: </a:t>
             </a:r>
             <a:r>
               <a:rPr lang="nl-BE" dirty="0" err="1" smtClean="0"/>
-              <a:t>disappointments</a:t>
+              <a:t>accomplishments</a:t>
             </a:r>
             <a:endParaRPr lang="nl-BE" dirty="0"/>
           </a:p>
@@ -4977,65 +6145,107 @@
           <a:lstStyle/>
           <a:p>
             <a:r>
-              <a:rPr lang="nl-BE" dirty="0" smtClean="0"/>
-              <a:t>Positioning error</a:t>
+              <a:rPr lang="nl-BE" dirty="0" err="1" smtClean="0"/>
+              <a:t>Height</a:t>
+            </a:r>
+            <a:r>
+              <a:rPr lang="nl-BE" dirty="0" smtClean="0"/>
+              <a:t> PID</a:t>
+            </a:r>
+          </a:p>
+          <a:p>
+            <a:r>
+              <a:rPr lang="nl-BE" dirty="0" smtClean="0"/>
+              <a:t>Connection </a:t>
+            </a:r>
+            <a:r>
+              <a:rPr lang="nl-BE" dirty="0" err="1" smtClean="0"/>
+              <a:t>could</a:t>
+            </a:r>
+            <a:r>
+              <a:rPr lang="nl-BE" dirty="0" smtClean="0"/>
+              <a:t> </a:t>
+            </a:r>
+            <a:r>
+              <a:rPr lang="nl-BE" dirty="0" err="1" smtClean="0"/>
+              <a:t>be</a:t>
+            </a:r>
+            <a:r>
+              <a:rPr lang="nl-BE" dirty="0" smtClean="0"/>
+              <a:t> </a:t>
+            </a:r>
+            <a:r>
+              <a:rPr lang="nl-BE" dirty="0" err="1" smtClean="0"/>
+              <a:t>established</a:t>
+            </a:r>
+            <a:endParaRPr lang="nl-BE" dirty="0" smtClean="0"/>
+          </a:p>
+          <a:p>
+            <a:r>
+              <a:rPr lang="nl-BE" dirty="0" smtClean="0"/>
+              <a:t>Simulator</a:t>
             </a:r>
           </a:p>
           <a:p>
             <a:pPr lvl="1"/>
             <a:r>
-              <a:rPr lang="nl-BE" dirty="0" err="1" smtClean="0">
-                <a:sym typeface="Wingdings" panose="05000000000000000000" pitchFamily="2" charset="2"/>
-              </a:rPr>
-              <a:t>grid</a:t>
-            </a:r>
-            <a:r>
-              <a:rPr lang="nl-BE" dirty="0" smtClean="0">
-                <a:sym typeface="Wingdings" panose="05000000000000000000" pitchFamily="2" charset="2"/>
-              </a:rPr>
-              <a:t> </a:t>
-            </a:r>
-            <a:r>
-              <a:rPr lang="nl-BE" dirty="0" err="1" smtClean="0">
-                <a:sym typeface="Wingdings" panose="05000000000000000000" pitchFamily="2" charset="2"/>
-              </a:rPr>
-              <a:t>size</a:t>
-            </a:r>
-            <a:endParaRPr lang="nl-BE" dirty="0" smtClean="0">
-              <a:sym typeface="Wingdings" panose="05000000000000000000" pitchFamily="2" charset="2"/>
-            </a:endParaRPr>
-          </a:p>
-          <a:p>
-            <a:r>
-              <a:rPr lang="nl-BE" dirty="0" smtClean="0">
-                <a:sym typeface="Wingdings" panose="05000000000000000000" pitchFamily="2" charset="2"/>
-              </a:rPr>
-              <a:t>QR-code error</a:t>
+              <a:rPr lang="nl-BE" dirty="0" smtClean="0"/>
+              <a:t>Both simulators </a:t>
+            </a:r>
+            <a:r>
+              <a:rPr lang="nl-BE" dirty="0" err="1" smtClean="0"/>
+              <a:t>worked</a:t>
+            </a:r>
+            <a:endParaRPr lang="nl-BE" dirty="0" smtClean="0"/>
+          </a:p>
+          <a:p>
+            <a:pPr lvl="2"/>
+            <a:r>
+              <a:rPr lang="nl-BE" dirty="0" smtClean="0"/>
+              <a:t>Target </a:t>
+            </a:r>
+            <a:r>
+              <a:rPr lang="nl-BE" dirty="0" err="1" smtClean="0"/>
+              <a:t>movement</a:t>
+            </a:r>
+            <a:endParaRPr lang="nl-BE" dirty="0" smtClean="0"/>
+          </a:p>
+          <a:p>
+            <a:pPr lvl="2"/>
+            <a:r>
+              <a:rPr lang="nl-BE" dirty="0" err="1" smtClean="0"/>
+              <a:t>Qr</a:t>
+            </a:r>
+            <a:r>
+              <a:rPr lang="nl-BE" dirty="0" smtClean="0"/>
+              <a:t>-code</a:t>
+            </a:r>
+          </a:p>
+          <a:p>
+            <a:r>
+              <a:rPr lang="nl-BE" dirty="0" smtClean="0"/>
+              <a:t>Image </a:t>
+            </a:r>
+            <a:r>
+              <a:rPr lang="nl-BE" dirty="0" smtClean="0"/>
+              <a:t>recognition</a:t>
             </a:r>
           </a:p>
           <a:p>
             <a:pPr lvl="1"/>
             <a:r>
-              <a:rPr lang="nl-BE" dirty="0" smtClean="0">
-                <a:sym typeface="Wingdings" panose="05000000000000000000" pitchFamily="2" charset="2"/>
-              </a:rPr>
-              <a:t>tablet </a:t>
-            </a:r>
-            <a:r>
-              <a:rPr lang="nl-BE" dirty="0" err="1" smtClean="0">
-                <a:sym typeface="Wingdings" panose="05000000000000000000" pitchFamily="2" charset="2"/>
-              </a:rPr>
-              <a:t>trouble</a:t>
-            </a:r>
-            <a:endParaRPr lang="nl-BE" dirty="0" smtClean="0">
-              <a:sym typeface="Wingdings" panose="05000000000000000000" pitchFamily="2" charset="2"/>
-            </a:endParaRPr>
-          </a:p>
-          <a:p>
-            <a:pPr marL="292608" lvl="1" indent="0">
-              <a:buNone/>
-            </a:pPr>
-            <a:endParaRPr lang="nl-BE" dirty="0"/>
+              <a:rPr lang="nl-BE" dirty="0" smtClean="0"/>
+              <a:t>Accurate </a:t>
+            </a:r>
+            <a:endParaRPr lang="nl-BE" dirty="0" smtClean="0"/>
+          </a:p>
+          <a:p>
+            <a:pPr lvl="1"/>
+            <a:endParaRPr lang="nl-BE" dirty="0" smtClean="0"/>
+          </a:p>
+          <a:p>
+            <a:pPr lvl="1"/>
+            <a:endParaRPr lang="nl-BE" dirty="0" smtClean="0"/>
           </a:p>
         </p:txBody>
       </p:sp>
@@ -5065,18 +6275,18 @@
     </p:spTree>
     <p:extLst>
       <p:ext uri="{BB962C8B-B14F-4D97-AF65-F5344CB8AC3E}">
-        <p14:creationId xmlns:p14="http://schemas.microsoft.com/office/powerpoint/2010/main" val="1231713064"/>
+        <p14:creationId xmlns:p14="http://schemas.microsoft.com/office/powerpoint/2010/main" val="3612175803"/>
       </p:ext>
     </p:extLst>
   </p:cSld>
   <p:clrMapOvr>
     <a:masterClrMapping/>
   </p:clrMapOvr>
-  <mc:AlternateContent xmlns:mc="http://schemas.openxmlformats.org/markup-compatibility/2006">
-    <mc:Choice xmlns:p14="http://schemas.microsoft.com/office/powerpoint/2010/main" Requires="p14">
+  <mc:AlternateContent xmlns:mc="http://schemas.openxmlformats.org/markup-compatibility/2006" xmlns:p14="http://schemas.microsoft.com/office/powerpoint/2010/main">
+    <mc:Choice Requires="p14">
       <p:transition spd="slow" p14:dur="2000"/>
     </mc:Choice>
-    <mc:Fallback>
+    <mc:Fallback xmlns="">
       <p:transition spd="slow"/>
     </mc:Fallback>
   </mc:AlternateContent>
@@ -5124,15 +6334,11 @@
           <a:p>
             <a:r>
               <a:rPr lang="nl-BE" dirty="0" smtClean="0"/>
-              <a:t>Image </a:t>
+              <a:t>demo: </a:t>
             </a:r>
             <a:r>
               <a:rPr lang="nl-BE" dirty="0" err="1" smtClean="0"/>
-              <a:t>recognition</a:t>
-            </a:r>
-            <a:r>
-              <a:rPr lang="nl-BE" dirty="0" smtClean="0"/>
-              <a:t> video</a:t>
+              <a:t>disappointments</a:t>
             </a:r>
             <a:endParaRPr lang="nl-BE" dirty="0"/>
           </a:p>
@@ -5153,7 +6359,66 @@
           <a:bodyPr/>
           <a:lstStyle/>
           <a:p>
-            <a:endParaRPr lang="nl-BE"/>
+            <a:r>
+              <a:rPr lang="nl-BE" dirty="0" smtClean="0"/>
+              <a:t>Positioning error</a:t>
+            </a:r>
+          </a:p>
+          <a:p>
+            <a:pPr lvl="1"/>
+            <a:r>
+              <a:rPr lang="nl-BE" dirty="0" err="1" smtClean="0">
+                <a:sym typeface="Wingdings" panose="05000000000000000000" pitchFamily="2" charset="2"/>
+              </a:rPr>
+              <a:t>grid</a:t>
+            </a:r>
+            <a:r>
+              <a:rPr lang="nl-BE" dirty="0" smtClean="0">
+                <a:sym typeface="Wingdings" panose="05000000000000000000" pitchFamily="2" charset="2"/>
+              </a:rPr>
+              <a:t> </a:t>
+            </a:r>
+            <a:r>
+              <a:rPr lang="nl-BE" dirty="0" err="1" smtClean="0">
+                <a:sym typeface="Wingdings" panose="05000000000000000000" pitchFamily="2" charset="2"/>
+              </a:rPr>
+              <a:t>size</a:t>
+            </a:r>
+            <a:endParaRPr lang="nl-BE" dirty="0" smtClean="0">
+              <a:sym typeface="Wingdings" panose="05000000000000000000" pitchFamily="2" charset="2"/>
+            </a:endParaRPr>
+          </a:p>
+          <a:p>
+            <a:r>
+              <a:rPr lang="nl-BE" dirty="0" smtClean="0">
+                <a:sym typeface="Wingdings" panose="05000000000000000000" pitchFamily="2" charset="2"/>
+              </a:rPr>
+              <a:t>QR-code error</a:t>
+            </a:r>
+          </a:p>
+          <a:p>
+            <a:pPr lvl="1"/>
+            <a:r>
+              <a:rPr lang="nl-BE" dirty="0" smtClean="0">
+                <a:sym typeface="Wingdings" panose="05000000000000000000" pitchFamily="2" charset="2"/>
+              </a:rPr>
+              <a:t>tablet </a:t>
+            </a:r>
+            <a:r>
+              <a:rPr lang="nl-BE" dirty="0" err="1" smtClean="0">
+                <a:sym typeface="Wingdings" panose="05000000000000000000" pitchFamily="2" charset="2"/>
+              </a:rPr>
+              <a:t>trouble</a:t>
+            </a:r>
+            <a:endParaRPr lang="nl-BE" dirty="0" smtClean="0">
+              <a:sym typeface="Wingdings" panose="05000000000000000000" pitchFamily="2" charset="2"/>
+            </a:endParaRPr>
+          </a:p>
+          <a:p>
+            <a:pPr marL="292608" lvl="1" indent="0">
+              <a:buNone/>
+            </a:pPr>
+            <a:endParaRPr lang="nl-BE" dirty="0"/>
           </a:p>
         </p:txBody>
       </p:sp>
@@ -5183,18 +6448,18 @@
     </p:spTree>
     <p:extLst>
       <p:ext uri="{BB962C8B-B14F-4D97-AF65-F5344CB8AC3E}">
-        <p14:creationId xmlns:p14="http://schemas.microsoft.com/office/powerpoint/2010/main" val="1636029499"/>
+        <p14:creationId xmlns:p14="http://schemas.microsoft.com/office/powerpoint/2010/main" val="1231713064"/>
       </p:ext>
     </p:extLst>
   </p:cSld>
   <p:clrMapOvr>
     <a:masterClrMapping/>
   </p:clrMapOvr>
-  <mc:AlternateContent xmlns:mc="http://schemas.openxmlformats.org/markup-compatibility/2006">
-    <mc:Choice xmlns:p14="http://schemas.microsoft.com/office/powerpoint/2010/main" Requires="p14">
+  <mc:AlternateContent xmlns:mc="http://schemas.openxmlformats.org/markup-compatibility/2006" xmlns:p14="http://schemas.microsoft.com/office/powerpoint/2010/main">
+    <mc:Choice Requires="p14">
       <p:transition spd="slow" p14:dur="2000"/>
     </mc:Choice>
-    <mc:Fallback>
+    <mc:Fallback xmlns="">
       <p:transition spd="slow"/>
     </mc:Fallback>
   </mc:AlternateContent>
@@ -5237,6 +6502,124 @@
         </p:nvSpPr>
         <p:spPr/>
         <p:txBody>
+          <a:bodyPr/>
+          <a:lstStyle/>
+          <a:p>
+            <a:r>
+              <a:rPr lang="nl-BE" dirty="0" smtClean="0"/>
+              <a:t>Image </a:t>
+            </a:r>
+            <a:r>
+              <a:rPr lang="nl-BE" dirty="0" err="1" smtClean="0"/>
+              <a:t>recognition</a:t>
+            </a:r>
+            <a:r>
+              <a:rPr lang="nl-BE" dirty="0" smtClean="0"/>
+              <a:t> video</a:t>
+            </a:r>
+            <a:endParaRPr lang="nl-BE" dirty="0"/>
+          </a:p>
+        </p:txBody>
+      </p:sp>
+      <p:sp>
+        <p:nvSpPr>
+          <p:cNvPr id="3" name="Content Placeholder 2"/>
+          <p:cNvSpPr>
+            <a:spLocks noGrp="1"/>
+          </p:cNvSpPr>
+          <p:nvPr>
+            <p:ph idx="1"/>
+          </p:nvPr>
+        </p:nvSpPr>
+        <p:spPr/>
+        <p:txBody>
+          <a:bodyPr/>
+          <a:lstStyle/>
+          <a:p>
+            <a:endParaRPr lang="nl-BE"/>
+          </a:p>
+        </p:txBody>
+      </p:sp>
+      <p:sp>
+        <p:nvSpPr>
+          <p:cNvPr id="4" name="Slide Number Placeholder 3"/>
+          <p:cNvSpPr>
+            <a:spLocks noGrp="1"/>
+          </p:cNvSpPr>
+          <p:nvPr>
+            <p:ph type="sldNum" sz="quarter" idx="12"/>
+          </p:nvPr>
+        </p:nvSpPr>
+        <p:spPr/>
+        <p:txBody>
+          <a:bodyPr/>
+          <a:lstStyle/>
+          <a:p>
+            <a:fld id="{63003FE6-31FB-4A7A-BAED-FCD80E90B237}" type="slidenum">
+              <a:rPr lang="nl-BE" smtClean="0"/>
+              <a:t>15</a:t>
+            </a:fld>
+            <a:endParaRPr lang="nl-BE"/>
+          </a:p>
+        </p:txBody>
+      </p:sp>
+    </p:spTree>
+    <p:extLst>
+      <p:ext uri="{BB962C8B-B14F-4D97-AF65-F5344CB8AC3E}">
+        <p14:creationId xmlns:p14="http://schemas.microsoft.com/office/powerpoint/2010/main" val="1636029499"/>
+      </p:ext>
+    </p:extLst>
+  </p:cSld>
+  <p:clrMapOvr>
+    <a:masterClrMapping/>
+  </p:clrMapOvr>
+  <mc:AlternateContent xmlns:mc="http://schemas.openxmlformats.org/markup-compatibility/2006" xmlns:p14="http://schemas.microsoft.com/office/powerpoint/2010/main">
+    <mc:Choice Requires="p14">
+      <p:transition spd="slow" p14:dur="2000"/>
+    </mc:Choice>
+    <mc:Fallback xmlns="">
+      <p:transition spd="slow"/>
+    </mc:Fallback>
+  </mc:AlternateContent>
+  <p:timing>
+    <p:tnLst>
+      <p:par>
+        <p:cTn id="1" dur="indefinite" restart="never" nodeType="tmRoot"/>
+      </p:par>
+    </p:tnLst>
+  </p:timing>
+</p:sld>
+</file>
+
+<file path=ppt/slides/slide16.xml><?xml version="1.0" encoding="utf-8"?>
+<p:sld xmlns:a="http://schemas.openxmlformats.org/drawingml/2006/main" xmlns:r="http://schemas.openxmlformats.org/officeDocument/2006/relationships" xmlns:p="http://schemas.openxmlformats.org/presentationml/2006/main">
+  <p:cSld>
+    <p:spTree>
+      <p:nvGrpSpPr>
+        <p:cNvPr id="1" name=""/>
+        <p:cNvGrpSpPr/>
+        <p:nvPr/>
+      </p:nvGrpSpPr>
+      <p:grpSpPr>
+        <a:xfrm>
+          <a:off x="0" y="0"/>
+          <a:ext cx="0" cy="0"/>
+          <a:chOff x="0" y="0"/>
+          <a:chExt cx="0" cy="0"/>
+        </a:xfrm>
+      </p:grpSpPr>
+      <p:sp>
+        <p:nvSpPr>
+          <p:cNvPr id="2" name="Title 1"/>
+          <p:cNvSpPr>
+            <a:spLocks noGrp="1"/>
+          </p:cNvSpPr>
+          <p:nvPr>
+            <p:ph type="title"/>
+          </p:nvPr>
+        </p:nvSpPr>
+        <p:spPr/>
+        <p:txBody>
           <a:bodyPr>
             <a:normAutofit/>
           </a:bodyPr>
@@ -5341,7 +6724,7 @@
           <p:nvPr/>
         </p:nvPicPr>
         <p:blipFill>
-          <a:blip r:embed="rId2">
+          <a:blip r:embed="rId3">
             <a:extLst>
               <a:ext uri="{28A0092B-C50C-407E-A947-70E740481C1C}">
                 <a14:useLocalDpi xmlns:a14="http://schemas.microsoft.com/office/drawing/2010/main" val="0"/>
@@ -5390,7 +6773,7 @@
           <a:p>
             <a:fld id="{63003FE6-31FB-4A7A-BAED-FCD80E90B237}" type="slidenum">
               <a:rPr lang="nl-BE" smtClean="0"/>
-              <a:t>15</a:t>
+              <a:t>16</a:t>
             </a:fld>
             <a:endParaRPr lang="nl-BE"/>
           </a:p>
@@ -5406,11 +6789,11 @@
   <p:clrMapOvr>
     <a:masterClrMapping/>
   </p:clrMapOvr>
-  <mc:AlternateContent xmlns:mc="http://schemas.openxmlformats.org/markup-compatibility/2006">
-    <mc:Choice xmlns:p14="http://schemas.microsoft.com/office/powerpoint/2010/main" Requires="p14">
+  <mc:AlternateContent xmlns:mc="http://schemas.openxmlformats.org/markup-compatibility/2006" xmlns:p14="http://schemas.microsoft.com/office/powerpoint/2010/main">
+    <mc:Choice Requires="p14">
       <p:transition spd="slow" p14:dur="2000"/>
     </mc:Choice>
-    <mc:Fallback>
+    <mc:Fallback xmlns="">
       <p:transition spd="slow"/>
     </mc:Fallback>
   </mc:AlternateContent>
@@ -5424,7 +6807,7 @@
 </p:sld>
 </file>
 
-<file path=ppt/slides/slide16.xml><?xml version="1.0" encoding="utf-8"?>
+<file path=ppt/slides/slide17.xml><?xml version="1.0" encoding="utf-8"?>
 <p:sld xmlns:a="http://schemas.openxmlformats.org/drawingml/2006/main" xmlns:r="http://schemas.openxmlformats.org/officeDocument/2006/relationships" xmlns:p="http://schemas.openxmlformats.org/presentationml/2006/main">
   <p:cSld>
     <p:spTree>
@@ -5522,7 +6905,6 @@
               <a:rPr lang="nl-BE" dirty="0" smtClean="0"/>
               <a:t>)</a:t>
             </a:r>
-            <a:endParaRPr lang="nl-BE" dirty="0" smtClean="0"/>
           </a:p>
           <a:p>
             <a:r>
@@ -5571,13 +6953,8 @@
             <a:pPr lvl="1"/>
             <a:r>
               <a:rPr lang="nl-BE" dirty="0" smtClean="0"/>
-              <a:t>Java/O</a:t>
-            </a:r>
-            <a:r>
-              <a:rPr lang="nl-BE" dirty="0" smtClean="0"/>
-              <a:t>pen Cv</a:t>
-            </a:r>
-            <a:endParaRPr lang="nl-BE" dirty="0" smtClean="0"/>
+              <a:t>Java/Open Cv</a:t>
+            </a:r>
           </a:p>
           <a:p>
             <a:pPr lvl="1"/>
@@ -5647,7 +7024,7 @@
           <p:nvPr/>
         </p:nvPicPr>
         <p:blipFill>
-          <a:blip r:embed="rId2">
+          <a:blip r:embed="rId3">
             <a:extLst>
               <a:ext uri="{28A0092B-C50C-407E-A947-70E740481C1C}">
                 <a14:useLocalDpi xmlns:a14="http://schemas.microsoft.com/office/drawing/2010/main" val="0"/>
@@ -5719,7 +7096,7 @@
           <a:p>
             <a:fld id="{63003FE6-31FB-4A7A-BAED-FCD80E90B237}" type="slidenum">
               <a:rPr lang="nl-BE" smtClean="0"/>
-              <a:t>16</a:t>
+              <a:t>17</a:t>
             </a:fld>
             <a:endParaRPr lang="nl-BE"/>
           </a:p>
@@ -5735,11 +7112,11 @@
   <p:clrMapOvr>
     <a:masterClrMapping/>
   </p:clrMapOvr>
-  <mc:AlternateContent xmlns:mc="http://schemas.openxmlformats.org/markup-compatibility/2006">
-    <mc:Choice xmlns:p14="http://schemas.microsoft.com/office/powerpoint/2010/main" Requires="p14">
+  <mc:AlternateContent xmlns:mc="http://schemas.openxmlformats.org/markup-compatibility/2006" xmlns:p14="http://schemas.microsoft.com/office/powerpoint/2010/main">
+    <mc:Choice Requires="p14">
       <p:transition spd="slow" p14:dur="2000"/>
     </mc:Choice>
-    <mc:Fallback>
+    <mc:Fallback xmlns="">
       <p:transition spd="slow"/>
     </mc:Fallback>
   </mc:AlternateContent>
@@ -5833,7 +7210,6 @@
               <a:rPr lang="nl-BE" dirty="0" smtClean="0"/>
               <a:t> design</a:t>
             </a:r>
-            <a:endParaRPr lang="nl-BE" dirty="0" smtClean="0"/>
           </a:p>
           <a:p>
             <a:pPr marL="514350" indent="-514350">
@@ -5844,7 +7220,6 @@
               <a:rPr lang="nl-BE" dirty="0" smtClean="0"/>
               <a:t>Software</a:t>
             </a:r>
-            <a:endParaRPr lang="nl-BE" dirty="0" smtClean="0"/>
           </a:p>
           <a:p>
             <a:pPr marL="514350" indent="-514350">
@@ -5866,7 +7241,6 @@
               <a:rPr lang="nl-BE" dirty="0" smtClean="0"/>
               <a:t>Demo</a:t>
             </a:r>
-            <a:endParaRPr lang="nl-BE" dirty="0" smtClean="0"/>
           </a:p>
           <a:p>
             <a:pPr marL="514350" indent="-514350">
@@ -5932,11 +7306,11 @@
   <p:clrMapOvr>
     <a:masterClrMapping/>
   </p:clrMapOvr>
-  <mc:AlternateContent xmlns:mc="http://schemas.openxmlformats.org/markup-compatibility/2006">
-    <mc:Choice xmlns:p14="http://schemas.microsoft.com/office/powerpoint/2010/main" Requires="p14">
+  <mc:AlternateContent xmlns:mc="http://schemas.openxmlformats.org/markup-compatibility/2006" xmlns:p14="http://schemas.microsoft.com/office/powerpoint/2010/main">
+    <mc:Choice Requires="p14">
       <p:transition spd="slow" p14:dur="2000"/>
     </mc:Choice>
-    <mc:Fallback>
+    <mc:Fallback xmlns="">
       <p:transition spd="slow"/>
     </mc:Fallback>
   </mc:AlternateContent>
@@ -6016,21 +7390,13 @@
             </a:r>
             <a:r>
               <a:rPr lang="nl-BE" dirty="0" smtClean="0"/>
-              <a:t> </a:t>
-            </a:r>
-            <a:r>
-              <a:rPr lang="nl-BE" dirty="0" smtClean="0"/>
-              <a:t>zeppelin</a:t>
+              <a:t> zeppelin</a:t>
             </a:r>
           </a:p>
           <a:p>
             <a:r>
               <a:rPr lang="nl-BE" dirty="0" err="1" smtClean="0"/>
-              <a:t>G</a:t>
-            </a:r>
-            <a:r>
-              <a:rPr lang="nl-BE" dirty="0" err="1" smtClean="0"/>
-              <a:t>rid</a:t>
+              <a:t>Grid</a:t>
             </a:r>
             <a:r>
               <a:rPr lang="nl-BE" dirty="0" smtClean="0"/>
@@ -6040,29 +7406,17 @@
               <a:rPr lang="en-GB" dirty="0" smtClean="0"/>
               <a:t>manoeuvring</a:t>
             </a:r>
-            <a:endParaRPr lang="en-GB" dirty="0" smtClean="0"/>
-          </a:p>
-          <a:p>
-            <a:r>
-              <a:rPr lang="nl-BE" dirty="0" smtClean="0"/>
-              <a:t>Zeppelin race</a:t>
+          </a:p>
+          <a:p>
+            <a:r>
+              <a:rPr lang="nl-BE" dirty="0" smtClean="0"/>
+              <a:t>Zeppelin </a:t>
+            </a:r>
+            <a:r>
+              <a:rPr lang="nl-BE" dirty="0" smtClean="0"/>
+              <a:t>race</a:t>
             </a:r>
             <a:endParaRPr lang="nl-BE" dirty="0" smtClean="0"/>
-          </a:p>
-          <a:p>
-            <a:r>
-              <a:rPr lang="nl-BE" dirty="0" smtClean="0"/>
-              <a:t>(foto </a:t>
-            </a:r>
-            <a:r>
-              <a:rPr lang="nl-BE" dirty="0" err="1" smtClean="0"/>
-              <a:t>grid</a:t>
-            </a:r>
-            <a:r>
-              <a:rPr lang="nl-BE" dirty="0" smtClean="0"/>
-              <a:t>)</a:t>
-            </a:r>
-            <a:endParaRPr lang="nl-BE" dirty="0"/>
           </a:p>
         </p:txBody>
       </p:sp>
@@ -6089,6 +7443,36 @@
           </a:p>
         </p:txBody>
       </p:sp>
+      <p:pic>
+        <p:nvPicPr>
+          <p:cNvPr id="4" name="Picture 3"/>
+          <p:cNvPicPr>
+            <a:picLocks noChangeAspect="1"/>
+          </p:cNvPicPr>
+          <p:nvPr/>
+        </p:nvPicPr>
+        <p:blipFill>
+          <a:blip r:embed="rId3" cstate="print">
+            <a:extLst>
+              <a:ext uri="{28A0092B-C50C-407E-A947-70E740481C1C}">
+                <a14:useLocalDpi xmlns:a14="http://schemas.microsoft.com/office/drawing/2010/main" val="0"/>
+              </a:ext>
+            </a:extLst>
+          </a:blip>
+          <a:stretch>
+            <a:fillRect/>
+          </a:stretch>
+        </p:blipFill>
+        <p:spPr>
+          <a:xfrm>
+            <a:off x="4283968" y="1556792"/>
+            <a:ext cx="3165816" cy="4392488"/>
+          </a:xfrm>
+          <a:prstGeom prst="rect">
+            <a:avLst/>
+          </a:prstGeom>
+        </p:spPr>
+      </p:pic>
     </p:spTree>
     <p:extLst>
       <p:ext uri="{BB962C8B-B14F-4D97-AF65-F5344CB8AC3E}">
@@ -6099,11 +7483,11 @@
   <p:clrMapOvr>
     <a:masterClrMapping/>
   </p:clrMapOvr>
-  <mc:AlternateContent xmlns:mc="http://schemas.openxmlformats.org/markup-compatibility/2006">
-    <mc:Choice xmlns:p14="http://schemas.microsoft.com/office/powerpoint/2010/main" Requires="p14">
+  <mc:AlternateContent xmlns:mc="http://schemas.openxmlformats.org/markup-compatibility/2006" xmlns:p14="http://schemas.microsoft.com/office/powerpoint/2010/main">
+    <mc:Choice Requires="p14">
       <p:transition spd="slow" p14:dur="2000"/>
     </mc:Choice>
-    <mc:Fallback>
+    <mc:Fallback xmlns="">
       <p:transition spd="slow"/>
     </mc:Fallback>
   </mc:AlternateContent>
@@ -6224,11 +7608,11 @@
   <p:clrMapOvr>
     <a:masterClrMapping/>
   </p:clrMapOvr>
-  <mc:AlternateContent xmlns:mc="http://schemas.openxmlformats.org/markup-compatibility/2006">
-    <mc:Choice xmlns:p14="http://schemas.microsoft.com/office/powerpoint/2010/main" Requires="p14">
+  <mc:AlternateContent xmlns:mc="http://schemas.openxmlformats.org/markup-compatibility/2006" xmlns:p14="http://schemas.microsoft.com/office/powerpoint/2010/main">
+    <mc:Choice Requires="p14">
       <p:transition spd="slow" p14:dur="2000"/>
     </mc:Choice>
-    <mc:Fallback>
+    <mc:Fallback xmlns="">
       <p:transition spd="slow"/>
     </mc:Fallback>
   </mc:AlternateContent>
@@ -6308,7 +7692,6 @@
               <a:rPr lang="nl-BE" dirty="0" smtClean="0"/>
               <a:t>Open CV</a:t>
             </a:r>
-            <a:endParaRPr lang="nl-BE" dirty="0" smtClean="0"/>
           </a:p>
           <a:p>
             <a:endParaRPr lang="nl-BE" dirty="0" smtClean="0"/>
@@ -6381,11 +7764,11 @@
   <p:clrMapOvr>
     <a:masterClrMapping/>
   </p:clrMapOvr>
-  <mc:AlternateContent xmlns:mc="http://schemas.openxmlformats.org/markup-compatibility/2006">
-    <mc:Choice xmlns:p14="http://schemas.microsoft.com/office/powerpoint/2010/main" Requires="p14">
+  <mc:AlternateContent xmlns:mc="http://schemas.openxmlformats.org/markup-compatibility/2006" xmlns:p14="http://schemas.microsoft.com/office/powerpoint/2010/main">
+    <mc:Choice Requires="p14">
       <p:transition spd="slow" p14:dur="2000"/>
     </mc:Choice>
-    <mc:Fallback>
+    <mc:Fallback xmlns="">
       <p:transition spd="slow"/>
     </mc:Fallback>
   </mc:AlternateContent>
@@ -6559,11 +7942,11 @@
   <p:clrMapOvr>
     <a:masterClrMapping/>
   </p:clrMapOvr>
-  <mc:AlternateContent xmlns:mc="http://schemas.openxmlformats.org/markup-compatibility/2006">
-    <mc:Choice xmlns:p14="http://schemas.microsoft.com/office/powerpoint/2010/main" Requires="p14">
+  <mc:AlternateContent xmlns:mc="http://schemas.openxmlformats.org/markup-compatibility/2006" xmlns:p14="http://schemas.microsoft.com/office/powerpoint/2010/main">
+    <mc:Choice Requires="p14">
       <p:transition spd="slow" p14:dur="2000"/>
     </mc:Choice>
-    <mc:Fallback>
+    <mc:Fallback xmlns="">
       <p:transition spd="slow"/>
     </mc:Fallback>
   </mc:AlternateContent>
@@ -6740,11 +8123,11 @@
   <p:clrMapOvr>
     <a:masterClrMapping/>
   </p:clrMapOvr>
-  <mc:AlternateContent xmlns:mc="http://schemas.openxmlformats.org/markup-compatibility/2006">
-    <mc:Choice xmlns:p14="http://schemas.microsoft.com/office/powerpoint/2010/main" Requires="p14">
+  <mc:AlternateContent xmlns:mc="http://schemas.openxmlformats.org/markup-compatibility/2006" xmlns:p14="http://schemas.microsoft.com/office/powerpoint/2010/main">
+    <mc:Choice Requires="p14">
       <p:transition spd="slow" p14:dur="2000"/>
     </mc:Choice>
-    <mc:Fallback>
+    <mc:Fallback xmlns="">
       <p:transition spd="slow"/>
     </mc:Fallback>
   </mc:AlternateContent>
@@ -6918,11 +8301,11 @@
   <p:clrMapOvr>
     <a:masterClrMapping/>
   </p:clrMapOvr>
-  <mc:AlternateContent xmlns:mc="http://schemas.openxmlformats.org/markup-compatibility/2006">
-    <mc:Choice xmlns:p14="http://schemas.microsoft.com/office/powerpoint/2010/main" Requires="p14">
+  <mc:AlternateContent xmlns:mc="http://schemas.openxmlformats.org/markup-compatibility/2006" xmlns:p14="http://schemas.microsoft.com/office/powerpoint/2010/main">
+    <mc:Choice Requires="p14">
       <p:transition spd="slow" p14:dur="2000"/>
     </mc:Choice>
-    <mc:Fallback>
+    <mc:Fallback xmlns="">
       <p:transition spd="slow"/>
     </mc:Fallback>
   </mc:AlternateContent>
@@ -7037,93 +8420,6 @@
             <a:endParaRPr lang="nl-BE" dirty="0" smtClean="0"/>
           </a:p>
           <a:p>
-            <a:r>
-              <a:rPr lang="nl-BE" dirty="0" smtClean="0"/>
-              <a:t>Colour </a:t>
-            </a:r>
-            <a:r>
-              <a:rPr lang="nl-BE" dirty="0" err="1" smtClean="0"/>
-              <a:t>Symbol</a:t>
-            </a:r>
-            <a:r>
-              <a:rPr lang="nl-BE" dirty="0" smtClean="0"/>
-              <a:t> at incomplete </a:t>
-            </a:r>
-            <a:r>
-              <a:rPr lang="nl-BE" dirty="0" err="1" smtClean="0"/>
-              <a:t>triangle</a:t>
-            </a:r>
-            <a:endParaRPr lang="nl-BE" dirty="0" smtClean="0"/>
-          </a:p>
-          <a:p>
-            <a:r>
-              <a:rPr lang="nl-BE" dirty="0" smtClean="0"/>
-              <a:t>Multiple </a:t>
-            </a:r>
-            <a:r>
-              <a:rPr lang="nl-BE" dirty="0" err="1" smtClean="0"/>
-              <a:t>triangles</a:t>
-            </a:r>
-            <a:r>
-              <a:rPr lang="nl-BE" dirty="0" smtClean="0"/>
-              <a:t> </a:t>
-            </a:r>
-            <a:r>
-              <a:rPr lang="nl-BE" dirty="0" smtClean="0">
-                <a:sym typeface="Wingdings" panose="05000000000000000000" pitchFamily="2" charset="2"/>
-              </a:rPr>
-              <a:t> </a:t>
-            </a:r>
-            <a:r>
-              <a:rPr lang="nl-BE" dirty="0" err="1" smtClean="0">
-                <a:sym typeface="Wingdings" panose="05000000000000000000" pitchFamily="2" charset="2"/>
-              </a:rPr>
-              <a:t>unknowns</a:t>
-            </a:r>
-            <a:r>
-              <a:rPr lang="nl-BE" dirty="0" smtClean="0">
-                <a:sym typeface="Wingdings" panose="05000000000000000000" pitchFamily="2" charset="2"/>
-              </a:rPr>
-              <a:t> </a:t>
-            </a:r>
-            <a:endParaRPr lang="nl-BE" dirty="0" smtClean="0"/>
-          </a:p>
-          <a:p>
-            <a:pPr marL="0" indent="0">
-              <a:buNone/>
-            </a:pPr>
-            <a:r>
-              <a:rPr lang="nl-BE" dirty="0" smtClean="0"/>
-              <a:t>                              </a:t>
-            </a:r>
-            <a:r>
-              <a:rPr lang="nl-BE" dirty="0" smtClean="0">
-                <a:sym typeface="Wingdings" panose="05000000000000000000" pitchFamily="2" charset="2"/>
-              </a:rPr>
-              <a:t></a:t>
-            </a:r>
-            <a:r>
-              <a:rPr lang="nl-BE" dirty="0" smtClean="0"/>
-              <a:t> </a:t>
-            </a:r>
-            <a:r>
-              <a:rPr lang="nl-BE" dirty="0" err="1" smtClean="0"/>
-              <a:t>distance</a:t>
-            </a:r>
-            <a:r>
-              <a:rPr lang="nl-BE" dirty="0" smtClean="0"/>
-              <a:t> </a:t>
-            </a:r>
-            <a:r>
-              <a:rPr lang="nl-BE" dirty="0" err="1" smtClean="0"/>
-              <a:t>to</a:t>
-            </a:r>
-            <a:r>
-              <a:rPr lang="nl-BE" dirty="0" smtClean="0"/>
-              <a:t> center  </a:t>
-            </a:r>
-          </a:p>
-          <a:p>
             <a:pPr marL="0" indent="0">
               <a:buNone/>
             </a:pPr>
@@ -7162,86 +8458,6 @@
               <a:rPr lang="nl-BE" smtClean="0"/>
               <a:t>9</a:t>
             </a:fld>
-            <a:endParaRPr lang="nl-BE"/>
-          </a:p>
-        </p:txBody>
-      </p:sp>
-      <p:sp>
-        <p:nvSpPr>
-          <p:cNvPr id="7" name="Down Arrow 6"/>
-          <p:cNvSpPr/>
-          <p:nvPr/>
-        </p:nvSpPr>
-        <p:spPr>
-          <a:xfrm>
-            <a:off x="5508104" y="3240410"/>
-            <a:ext cx="61721" cy="288032"/>
-          </a:xfrm>
-          <a:prstGeom prst="downArrow">
-            <a:avLst/>
-          </a:prstGeom>
-        </p:spPr>
-        <p:style>
-          <a:lnRef idx="2">
-            <a:schemeClr val="dk1">
-              <a:shade val="50000"/>
-            </a:schemeClr>
-          </a:lnRef>
-          <a:fillRef idx="1">
-            <a:schemeClr val="dk1"/>
-          </a:fillRef>
-          <a:effectRef idx="0">
-            <a:schemeClr val="dk1"/>
-          </a:effectRef>
-          <a:fontRef idx="minor">
-            <a:schemeClr val="lt1"/>
-          </a:fontRef>
-        </p:style>
-        <p:txBody>
-          <a:bodyPr rtlCol="0" anchor="ctr"/>
-          <a:lstStyle/>
-          <a:p>
-            <a:pPr algn="ctr"/>
-            <a:endParaRPr lang="nl-BE"/>
-          </a:p>
-        </p:txBody>
-      </p:sp>
-      <p:sp>
-        <p:nvSpPr>
-          <p:cNvPr id="8" name="Down Arrow 7"/>
-          <p:cNvSpPr/>
-          <p:nvPr/>
-        </p:nvSpPr>
-        <p:spPr>
-          <a:xfrm>
-            <a:off x="6778063" y="3723584"/>
-            <a:ext cx="61721" cy="288032"/>
-          </a:xfrm>
-          <a:prstGeom prst="downArrow">
-            <a:avLst/>
-          </a:prstGeom>
-        </p:spPr>
-        <p:style>
-          <a:lnRef idx="2">
-            <a:schemeClr val="dk1">
-              <a:shade val="50000"/>
-            </a:schemeClr>
-          </a:lnRef>
-          <a:fillRef idx="1">
-            <a:schemeClr val="dk1"/>
-          </a:fillRef>
-          <a:effectRef idx="0">
-            <a:schemeClr val="dk1"/>
-          </a:effectRef>
-          <a:fontRef idx="minor">
-            <a:schemeClr val="lt1"/>
-          </a:fontRef>
-        </p:style>
-        <p:txBody>
-          <a:bodyPr rtlCol="0" anchor="ctr"/>
-          <a:lstStyle/>
-          <a:p>
-            <a:pPr algn="ctr"/>
             <a:endParaRPr lang="nl-BE"/>
           </a:p>
         </p:txBody>
@@ -7256,11 +8472,11 @@
   <p:clrMapOvr>
     <a:masterClrMapping/>
   </p:clrMapOvr>
-  <mc:AlternateContent xmlns:mc="http://schemas.openxmlformats.org/markup-compatibility/2006">
-    <mc:Choice xmlns:p14="http://schemas.microsoft.com/office/powerpoint/2010/main" Requires="p14">
+  <mc:AlternateContent xmlns:mc="http://schemas.openxmlformats.org/markup-compatibility/2006" xmlns:p14="http://schemas.microsoft.com/office/powerpoint/2010/main">
+    <mc:Choice Requires="p14">
       <p:transition spd="slow" p14:dur="2000"/>
     </mc:Choice>
-    <mc:Fallback>
+    <mc:Fallback xmlns="">
       <p:transition spd="slow"/>
     </mc:Fallback>
   </mc:AlternateContent>
